--- a/Specifikáció.pptx
+++ b/Specifikáció.pptx
@@ -8,7 +8,8 @@
     <p:sldId id="256" r:id="rId2"/>
     <p:sldId id="257" r:id="rId3"/>
     <p:sldId id="258" r:id="rId4"/>
-    <p:sldId id="259" r:id="rId5"/>
+    <p:sldId id="260" r:id="rId5"/>
+    <p:sldId id="259" r:id="rId6"/>
   </p:sldIdLst>
   <p:sldSz cx="12192000" cy="6858000"/>
   <p:notesSz cx="6858000" cy="9144000"/>
@@ -165,7 +166,7 @@
           <a:noFill/>
           <a:extLst>
             <a:ext uri="{909E8E84-426E-40dd-AFC4-6F175D3DCCD1}">
-              <a14:hiddenFill xmlns:a14="http://schemas.microsoft.com/office/drawing/2010/main" xmlns="">
+              <a14:hiddenFill xmlns="" xmlns:a14="http://schemas.microsoft.com/office/drawing/2010/main">
                 <a:solidFill>
                   <a:srgbClr val="FFFFFF"/>
                 </a:solidFill>
@@ -225,7 +226,7 @@
             </a:ln>
             <a:extLst>
               <a:ext uri="{91240B29-F687-4f45-9708-019B960494DF}">
-                <a14:hiddenLine xmlns:a14="http://schemas.microsoft.com/office/drawing/2010/main" xmlns="" w="9525">
+                <a14:hiddenLine xmlns="" xmlns:a14="http://schemas.microsoft.com/office/drawing/2010/main" w="9525">
                   <a:solidFill>
                     <a:srgbClr val="000000"/>
                   </a:solidFill>
@@ -315,7 +316,7 @@
             </a:ln>
             <a:extLst>
               <a:ext uri="{91240B29-F687-4f45-9708-019B960494DF}">
-                <a14:hiddenLine xmlns:a14="http://schemas.microsoft.com/office/drawing/2010/main" xmlns="" w="9525">
+                <a14:hiddenLine xmlns="" xmlns:a14="http://schemas.microsoft.com/office/drawing/2010/main" w="9525">
                   <a:solidFill>
                     <a:srgbClr val="000000"/>
                   </a:solidFill>
@@ -405,7 +406,7 @@
             </a:ln>
             <a:extLst>
               <a:ext uri="{91240B29-F687-4f45-9708-019B960494DF}">
-                <a14:hiddenLine xmlns:a14="http://schemas.microsoft.com/office/drawing/2010/main" xmlns="" w="9525">
+                <a14:hiddenLine xmlns="" xmlns:a14="http://schemas.microsoft.com/office/drawing/2010/main" w="9525">
                   <a:solidFill>
                     <a:srgbClr val="000000"/>
                   </a:solidFill>
@@ -439,7 +440,7 @@
             </a:ln>
             <a:extLst>
               <a:ext uri="{91240B29-F687-4f45-9708-019B960494DF}">
-                <a14:hiddenLine xmlns:a14="http://schemas.microsoft.com/office/drawing/2010/main" xmlns="" w="9525">
+                <a14:hiddenLine xmlns="" xmlns:a14="http://schemas.microsoft.com/office/drawing/2010/main" w="9525">
                   <a:solidFill>
                     <a:srgbClr val="000000"/>
                   </a:solidFill>
@@ -529,7 +530,7 @@
             </a:ln>
             <a:extLst>
               <a:ext uri="{91240B29-F687-4f45-9708-019B960494DF}">
-                <a14:hiddenLine xmlns:a14="http://schemas.microsoft.com/office/drawing/2010/main" xmlns="" w="9525">
+                <a14:hiddenLine xmlns="" xmlns:a14="http://schemas.microsoft.com/office/drawing/2010/main" w="9525">
                   <a:solidFill>
                     <a:srgbClr val="000000"/>
                   </a:solidFill>
@@ -591,7 +592,7 @@
             </a:ln>
             <a:extLst>
               <a:ext uri="{91240B29-F687-4f45-9708-019B960494DF}">
-                <a14:hiddenLine xmlns:a14="http://schemas.microsoft.com/office/drawing/2010/main" xmlns="" w="9525">
+                <a14:hiddenLine xmlns="" xmlns:a14="http://schemas.microsoft.com/office/drawing/2010/main" w="9525">
                   <a:solidFill>
                     <a:srgbClr val="000000"/>
                   </a:solidFill>
@@ -653,7 +654,7 @@
             </a:ln>
             <a:extLst>
               <a:ext uri="{91240B29-F687-4f45-9708-019B960494DF}">
-                <a14:hiddenLine xmlns:a14="http://schemas.microsoft.com/office/drawing/2010/main" xmlns="" w="9525">
+                <a14:hiddenLine xmlns="" xmlns:a14="http://schemas.microsoft.com/office/drawing/2010/main" w="9525">
                   <a:solidFill>
                     <a:srgbClr val="000000"/>
                   </a:solidFill>
@@ -743,7 +744,7 @@
             </a:ln>
             <a:extLst>
               <a:ext uri="{91240B29-F687-4f45-9708-019B960494DF}">
-                <a14:hiddenLine xmlns:a14="http://schemas.microsoft.com/office/drawing/2010/main" xmlns="" w="9525">
+                <a14:hiddenLine xmlns="" xmlns:a14="http://schemas.microsoft.com/office/drawing/2010/main" w="9525">
                   <a:solidFill>
                     <a:srgbClr val="000000"/>
                   </a:solidFill>
@@ -805,7 +806,7 @@
             </a:ln>
             <a:extLst>
               <a:ext uri="{91240B29-F687-4f45-9708-019B960494DF}">
-                <a14:hiddenLine xmlns:a14="http://schemas.microsoft.com/office/drawing/2010/main" xmlns="" w="9525">
+                <a14:hiddenLine xmlns="" xmlns:a14="http://schemas.microsoft.com/office/drawing/2010/main" w="9525">
                   <a:solidFill>
                     <a:srgbClr val="000000"/>
                   </a:solidFill>
@@ -867,7 +868,7 @@
             </a:ln>
             <a:extLst>
               <a:ext uri="{91240B29-F687-4f45-9708-019B960494DF}">
-                <a14:hiddenLine xmlns:a14="http://schemas.microsoft.com/office/drawing/2010/main" xmlns="" w="9525">
+                <a14:hiddenLine xmlns="" xmlns:a14="http://schemas.microsoft.com/office/drawing/2010/main" w="9525">
                   <a:solidFill>
                     <a:srgbClr val="000000"/>
                   </a:solidFill>
@@ -957,7 +958,7 @@
             </a:ln>
             <a:extLst>
               <a:ext uri="{91240B29-F687-4f45-9708-019B960494DF}">
-                <a14:hiddenLine xmlns:a14="http://schemas.microsoft.com/office/drawing/2010/main" xmlns="" w="9525">
+                <a14:hiddenLine xmlns="" xmlns:a14="http://schemas.microsoft.com/office/drawing/2010/main" w="9525">
                   <a:solidFill>
                     <a:srgbClr val="000000"/>
                   </a:solidFill>
@@ -1047,7 +1048,7 @@
             </a:ln>
             <a:extLst>
               <a:ext uri="{91240B29-F687-4f45-9708-019B960494DF}">
-                <a14:hiddenLine xmlns:a14="http://schemas.microsoft.com/office/drawing/2010/main" xmlns="" w="9525">
+                <a14:hiddenLine xmlns="" xmlns:a14="http://schemas.microsoft.com/office/drawing/2010/main" w="9525">
                   <a:solidFill>
                     <a:srgbClr val="000000"/>
                   </a:solidFill>
@@ -1109,7 +1110,7 @@
             </a:ln>
             <a:extLst>
               <a:ext uri="{91240B29-F687-4f45-9708-019B960494DF}">
-                <a14:hiddenLine xmlns:a14="http://schemas.microsoft.com/office/drawing/2010/main" xmlns="" w="9525">
+                <a14:hiddenLine xmlns="" xmlns:a14="http://schemas.microsoft.com/office/drawing/2010/main" w="9525">
                   <a:solidFill>
                     <a:srgbClr val="000000"/>
                   </a:solidFill>
@@ -1219,7 +1220,7 @@
             </a:ln>
             <a:extLst>
               <a:ext uri="{91240B29-F687-4f45-9708-019B960494DF}">
-                <a14:hiddenLine xmlns:a14="http://schemas.microsoft.com/office/drawing/2010/main" xmlns="" w="9525">
+                <a14:hiddenLine xmlns="" xmlns:a14="http://schemas.microsoft.com/office/drawing/2010/main" w="9525">
                   <a:solidFill>
                     <a:srgbClr val="000000"/>
                   </a:solidFill>
@@ -1281,7 +1282,7 @@
             </a:ln>
             <a:extLst>
               <a:ext uri="{91240B29-F687-4f45-9708-019B960494DF}">
-                <a14:hiddenLine xmlns:a14="http://schemas.microsoft.com/office/drawing/2010/main" xmlns="" w="9525">
+                <a14:hiddenLine xmlns="" xmlns:a14="http://schemas.microsoft.com/office/drawing/2010/main" w="9525">
                   <a:solidFill>
                     <a:srgbClr val="000000"/>
                   </a:solidFill>
@@ -1371,7 +1372,7 @@
             </a:ln>
             <a:extLst>
               <a:ext uri="{91240B29-F687-4f45-9708-019B960494DF}">
-                <a14:hiddenLine xmlns:a14="http://schemas.microsoft.com/office/drawing/2010/main" xmlns="" w="9525">
+                <a14:hiddenLine xmlns="" xmlns:a14="http://schemas.microsoft.com/office/drawing/2010/main" w="9525">
                   <a:solidFill>
                     <a:srgbClr val="000000"/>
                   </a:solidFill>
@@ -1461,7 +1462,7 @@
             </a:ln>
             <a:extLst>
               <a:ext uri="{91240B29-F687-4f45-9708-019B960494DF}">
-                <a14:hiddenLine xmlns:a14="http://schemas.microsoft.com/office/drawing/2010/main" xmlns="" w="9525">
+                <a14:hiddenLine xmlns="" xmlns:a14="http://schemas.microsoft.com/office/drawing/2010/main" w="9525">
                   <a:solidFill>
                     <a:srgbClr val="000000"/>
                   </a:solidFill>
@@ -1523,7 +1524,7 @@
             </a:ln>
             <a:extLst>
               <a:ext uri="{91240B29-F687-4f45-9708-019B960494DF}">
-                <a14:hiddenLine xmlns:a14="http://schemas.microsoft.com/office/drawing/2010/main" xmlns="" w="9525">
+                <a14:hiddenLine xmlns="" xmlns:a14="http://schemas.microsoft.com/office/drawing/2010/main" w="9525">
                   <a:solidFill>
                     <a:srgbClr val="000000"/>
                   </a:solidFill>
@@ -1613,7 +1614,7 @@
             </a:ln>
             <a:extLst>
               <a:ext uri="{91240B29-F687-4f45-9708-019B960494DF}">
-                <a14:hiddenLine xmlns:a14="http://schemas.microsoft.com/office/drawing/2010/main" xmlns="" w="9525">
+                <a14:hiddenLine xmlns="" xmlns:a14="http://schemas.microsoft.com/office/drawing/2010/main" w="9525">
                   <a:solidFill>
                     <a:srgbClr val="000000"/>
                   </a:solidFill>
@@ -1703,7 +1704,7 @@
             </a:ln>
             <a:extLst>
               <a:ext uri="{91240B29-F687-4f45-9708-019B960494DF}">
-                <a14:hiddenLine xmlns:a14="http://schemas.microsoft.com/office/drawing/2010/main" xmlns="" w="9525">
+                <a14:hiddenLine xmlns="" xmlns:a14="http://schemas.microsoft.com/office/drawing/2010/main" w="9525">
                   <a:solidFill>
                     <a:srgbClr val="000000"/>
                   </a:solidFill>
@@ -1759,7 +1760,7 @@
             </a:ln>
             <a:extLst>
               <a:ext uri="{91240B29-F687-4f45-9708-019B960494DF}">
-                <a14:hiddenLine xmlns:a14="http://schemas.microsoft.com/office/drawing/2010/main" xmlns="" w="9525">
+                <a14:hiddenLine xmlns="" xmlns:a14="http://schemas.microsoft.com/office/drawing/2010/main" w="9525">
                   <a:solidFill>
                     <a:srgbClr val="000000"/>
                   </a:solidFill>
@@ -1849,7 +1850,7 @@
             </a:ln>
             <a:extLst>
               <a:ext uri="{91240B29-F687-4f45-9708-019B960494DF}">
-                <a14:hiddenLine xmlns:a14="http://schemas.microsoft.com/office/drawing/2010/main" xmlns="" w="9525">
+                <a14:hiddenLine xmlns="" xmlns:a14="http://schemas.microsoft.com/office/drawing/2010/main" w="9525">
                   <a:solidFill>
                     <a:srgbClr val="000000"/>
                   </a:solidFill>
@@ -1905,7 +1906,7 @@
             </a:ln>
             <a:extLst>
               <a:ext uri="{91240B29-F687-4f45-9708-019B960494DF}">
-                <a14:hiddenLine xmlns:a14="http://schemas.microsoft.com/office/drawing/2010/main" xmlns="" w="9525">
+                <a14:hiddenLine xmlns="" xmlns:a14="http://schemas.microsoft.com/office/drawing/2010/main" w="9525">
                   <a:solidFill>
                     <a:srgbClr val="000000"/>
                   </a:solidFill>
@@ -1995,7 +1996,7 @@
             </a:ln>
             <a:extLst>
               <a:ext uri="{91240B29-F687-4f45-9708-019B960494DF}">
-                <a14:hiddenLine xmlns:a14="http://schemas.microsoft.com/office/drawing/2010/main" xmlns="" w="9525">
+                <a14:hiddenLine xmlns="" xmlns:a14="http://schemas.microsoft.com/office/drawing/2010/main" w="9525">
                   <a:solidFill>
                     <a:srgbClr val="000000"/>
                   </a:solidFill>
@@ -2063,7 +2064,7 @@
             </a:ln>
             <a:extLst>
               <a:ext uri="{91240B29-F687-4f45-9708-019B960494DF}">
-                <a14:hiddenLine xmlns:a14="http://schemas.microsoft.com/office/drawing/2010/main" xmlns="" w="9525">
+                <a14:hiddenLine xmlns="" xmlns:a14="http://schemas.microsoft.com/office/drawing/2010/main" w="9525">
                   <a:solidFill>
                     <a:srgbClr val="000000"/>
                   </a:solidFill>
@@ -2153,7 +2154,7 @@
             </a:ln>
             <a:extLst>
               <a:ext uri="{91240B29-F687-4f45-9708-019B960494DF}">
-                <a14:hiddenLine xmlns:a14="http://schemas.microsoft.com/office/drawing/2010/main" xmlns="" w="9525">
+                <a14:hiddenLine xmlns="" xmlns:a14="http://schemas.microsoft.com/office/drawing/2010/main" w="9525">
                   <a:solidFill>
                     <a:srgbClr val="000000"/>
                   </a:solidFill>
@@ -2221,7 +2222,7 @@
             </a:ln>
             <a:extLst>
               <a:ext uri="{91240B29-F687-4f45-9708-019B960494DF}">
-                <a14:hiddenLine xmlns:a14="http://schemas.microsoft.com/office/drawing/2010/main" xmlns="" w="9525">
+                <a14:hiddenLine xmlns="" xmlns:a14="http://schemas.microsoft.com/office/drawing/2010/main" w="9525">
                   <a:solidFill>
                     <a:srgbClr val="000000"/>
                   </a:solidFill>
@@ -2311,7 +2312,7 @@
             </a:ln>
             <a:extLst>
               <a:ext uri="{91240B29-F687-4f45-9708-019B960494DF}">
-                <a14:hiddenLine xmlns:a14="http://schemas.microsoft.com/office/drawing/2010/main" xmlns="" w="9525">
+                <a14:hiddenLine xmlns="" xmlns:a14="http://schemas.microsoft.com/office/drawing/2010/main" w="9525">
                   <a:solidFill>
                     <a:srgbClr val="000000"/>
                   </a:solidFill>
@@ -2345,7 +2346,7 @@
             </a:ln>
             <a:extLst>
               <a:ext uri="{91240B29-F687-4f45-9708-019B960494DF}">
-                <a14:hiddenLine xmlns:a14="http://schemas.microsoft.com/office/drawing/2010/main" xmlns="" w="9525">
+                <a14:hiddenLine xmlns="" xmlns:a14="http://schemas.microsoft.com/office/drawing/2010/main" w="9525">
                   <a:solidFill>
                     <a:srgbClr val="000000"/>
                   </a:solidFill>
@@ -2435,7 +2436,7 @@
             </a:ln>
             <a:extLst>
               <a:ext uri="{91240B29-F687-4f45-9708-019B960494DF}">
-                <a14:hiddenLine xmlns:a14="http://schemas.microsoft.com/office/drawing/2010/main" xmlns="" w="9525">
+                <a14:hiddenLine xmlns="" xmlns:a14="http://schemas.microsoft.com/office/drawing/2010/main" w="9525">
                   <a:solidFill>
                     <a:srgbClr val="000000"/>
                   </a:solidFill>
@@ -2497,7 +2498,7 @@
             </a:ln>
             <a:extLst>
               <a:ext uri="{91240B29-F687-4f45-9708-019B960494DF}">
-                <a14:hiddenLine xmlns:a14="http://schemas.microsoft.com/office/drawing/2010/main" xmlns="" w="9525">
+                <a14:hiddenLine xmlns="" xmlns:a14="http://schemas.microsoft.com/office/drawing/2010/main" w="9525">
                   <a:solidFill>
                     <a:srgbClr val="000000"/>
                   </a:solidFill>
@@ -2559,7 +2560,7 @@
             </a:ln>
             <a:extLst>
               <a:ext uri="{91240B29-F687-4f45-9708-019B960494DF}">
-                <a14:hiddenLine xmlns:a14="http://schemas.microsoft.com/office/drawing/2010/main" xmlns="" w="9525">
+                <a14:hiddenLine xmlns="" xmlns:a14="http://schemas.microsoft.com/office/drawing/2010/main" w="9525">
                   <a:solidFill>
                     <a:srgbClr val="000000"/>
                   </a:solidFill>
@@ -2649,7 +2650,7 @@
             </a:ln>
             <a:extLst>
               <a:ext uri="{91240B29-F687-4f45-9708-019B960494DF}">
-                <a14:hiddenLine xmlns:a14="http://schemas.microsoft.com/office/drawing/2010/main" xmlns="" w="9525">
+                <a14:hiddenLine xmlns="" xmlns:a14="http://schemas.microsoft.com/office/drawing/2010/main" w="9525">
                   <a:solidFill>
                     <a:srgbClr val="000000"/>
                   </a:solidFill>
@@ -2717,7 +2718,7 @@
             </a:ln>
             <a:extLst>
               <a:ext uri="{91240B29-F687-4f45-9708-019B960494DF}">
-                <a14:hiddenLine xmlns:a14="http://schemas.microsoft.com/office/drawing/2010/main" xmlns="" w="9525">
+                <a14:hiddenLine xmlns="" xmlns:a14="http://schemas.microsoft.com/office/drawing/2010/main" w="9525">
                   <a:solidFill>
                     <a:srgbClr val="000000"/>
                   </a:solidFill>
@@ -2779,7 +2780,7 @@
             </a:ln>
             <a:extLst>
               <a:ext uri="{91240B29-F687-4f45-9708-019B960494DF}">
-                <a14:hiddenLine xmlns:a14="http://schemas.microsoft.com/office/drawing/2010/main" xmlns="" w="9525">
+                <a14:hiddenLine xmlns="" xmlns:a14="http://schemas.microsoft.com/office/drawing/2010/main" w="9525">
                   <a:solidFill>
                     <a:srgbClr val="000000"/>
                   </a:solidFill>
@@ -2869,7 +2870,7 @@
             </a:ln>
             <a:extLst>
               <a:ext uri="{91240B29-F687-4f45-9708-019B960494DF}">
-                <a14:hiddenLine xmlns:a14="http://schemas.microsoft.com/office/drawing/2010/main" xmlns="" w="9525">
+                <a14:hiddenLine xmlns="" xmlns:a14="http://schemas.microsoft.com/office/drawing/2010/main" w="9525">
                   <a:solidFill>
                     <a:srgbClr val="000000"/>
                   </a:solidFill>
@@ -2931,7 +2932,7 @@
             </a:ln>
             <a:extLst>
               <a:ext uri="{91240B29-F687-4f45-9708-019B960494DF}">
-                <a14:hiddenLine xmlns:a14="http://schemas.microsoft.com/office/drawing/2010/main" xmlns="" w="9525">
+                <a14:hiddenLine xmlns="" xmlns:a14="http://schemas.microsoft.com/office/drawing/2010/main" w="9525">
                   <a:solidFill>
                     <a:srgbClr val="000000"/>
                   </a:solidFill>
@@ -3021,7 +3022,7 @@
             </a:ln>
             <a:extLst>
               <a:ext uri="{91240B29-F687-4f45-9708-019B960494DF}">
-                <a14:hiddenLine xmlns:a14="http://schemas.microsoft.com/office/drawing/2010/main" xmlns="" w="9525">
+                <a14:hiddenLine xmlns="" xmlns:a14="http://schemas.microsoft.com/office/drawing/2010/main" w="9525">
                   <a:solidFill>
                     <a:srgbClr val="000000"/>
                   </a:solidFill>
@@ -3083,7 +3084,7 @@
             </a:ln>
             <a:extLst>
               <a:ext uri="{91240B29-F687-4f45-9708-019B960494DF}">
-                <a14:hiddenLine xmlns:a14="http://schemas.microsoft.com/office/drawing/2010/main" xmlns="" w="9525">
+                <a14:hiddenLine xmlns="" xmlns:a14="http://schemas.microsoft.com/office/drawing/2010/main" w="9525">
                   <a:solidFill>
                     <a:srgbClr val="000000"/>
                   </a:solidFill>
@@ -3173,7 +3174,7 @@
             </a:ln>
             <a:extLst>
               <a:ext uri="{91240B29-F687-4f45-9708-019B960494DF}">
-                <a14:hiddenLine xmlns:a14="http://schemas.microsoft.com/office/drawing/2010/main" xmlns="" w="9525">
+                <a14:hiddenLine xmlns="" xmlns:a14="http://schemas.microsoft.com/office/drawing/2010/main" w="9525">
                   <a:solidFill>
                     <a:srgbClr val="000000"/>
                   </a:solidFill>
@@ -3207,7 +3208,7 @@
             </a:ln>
             <a:extLst>
               <a:ext uri="{91240B29-F687-4f45-9708-019B960494DF}">
-                <a14:hiddenLine xmlns:a14="http://schemas.microsoft.com/office/drawing/2010/main" xmlns="" w="9525">
+                <a14:hiddenLine xmlns="" xmlns:a14="http://schemas.microsoft.com/office/drawing/2010/main" w="9525">
                   <a:solidFill>
                     <a:srgbClr val="000000"/>
                   </a:solidFill>
@@ -3272,7 +3273,7 @@
             </a:ln>
             <a:extLst>
               <a:ext uri="{91240B29-F687-4f45-9708-019B960494DF}">
-                <a14:hiddenLine xmlns:a14="http://schemas.microsoft.com/office/drawing/2010/main" xmlns="" w="9525">
+                <a14:hiddenLine xmlns="" xmlns:a14="http://schemas.microsoft.com/office/drawing/2010/main" w="9525">
                   <a:solidFill>
                     <a:srgbClr val="000000"/>
                   </a:solidFill>
@@ -3362,7 +3363,7 @@
             </a:ln>
             <a:extLst>
               <a:ext uri="{91240B29-F687-4f45-9708-019B960494DF}">
-                <a14:hiddenLine xmlns:a14="http://schemas.microsoft.com/office/drawing/2010/main" xmlns="" w="9525">
+                <a14:hiddenLine xmlns="" xmlns:a14="http://schemas.microsoft.com/office/drawing/2010/main" w="9525">
                   <a:solidFill>
                     <a:srgbClr val="000000"/>
                   </a:solidFill>
@@ -3424,7 +3425,7 @@
             </a:ln>
             <a:extLst>
               <a:ext uri="{91240B29-F687-4f45-9708-019B960494DF}">
-                <a14:hiddenLine xmlns:a14="http://schemas.microsoft.com/office/drawing/2010/main" xmlns="" w="9525">
+                <a14:hiddenLine xmlns="" xmlns:a14="http://schemas.microsoft.com/office/drawing/2010/main" w="9525">
                   <a:solidFill>
                     <a:srgbClr val="000000"/>
                   </a:solidFill>
@@ -3514,7 +3515,7 @@
             </a:ln>
             <a:extLst>
               <a:ext uri="{91240B29-F687-4f45-9708-019B960494DF}">
-                <a14:hiddenLine xmlns:a14="http://schemas.microsoft.com/office/drawing/2010/main" xmlns="" w="9525">
+                <a14:hiddenLine xmlns="" xmlns:a14="http://schemas.microsoft.com/office/drawing/2010/main" w="9525">
                   <a:solidFill>
                     <a:srgbClr val="000000"/>
                   </a:solidFill>
@@ -3604,7 +3605,7 @@
             </a:ln>
             <a:extLst>
               <a:ext uri="{91240B29-F687-4f45-9708-019B960494DF}">
-                <a14:hiddenLine xmlns:a14="http://schemas.microsoft.com/office/drawing/2010/main" xmlns="" w="9525">
+                <a14:hiddenLine xmlns="" xmlns:a14="http://schemas.microsoft.com/office/drawing/2010/main" w="9525">
                   <a:solidFill>
                     <a:srgbClr val="000000"/>
                   </a:solidFill>
@@ -3669,7 +3670,7 @@
             </a:ln>
             <a:extLst>
               <a:ext uri="{91240B29-F687-4f45-9708-019B960494DF}">
-                <a14:hiddenLine xmlns:a14="http://schemas.microsoft.com/office/drawing/2010/main" xmlns="" w="9525">
+                <a14:hiddenLine xmlns="" xmlns:a14="http://schemas.microsoft.com/office/drawing/2010/main" w="9525">
                   <a:solidFill>
                     <a:srgbClr val="000000"/>
                   </a:solidFill>
@@ -3731,7 +3732,7 @@
             </a:ln>
             <a:extLst>
               <a:ext uri="{91240B29-F687-4f45-9708-019B960494DF}">
-                <a14:hiddenLine xmlns:a14="http://schemas.microsoft.com/office/drawing/2010/main" xmlns="" w="9525">
+                <a14:hiddenLine xmlns="" xmlns:a14="http://schemas.microsoft.com/office/drawing/2010/main" w="9525">
                   <a:solidFill>
                     <a:srgbClr val="000000"/>
                   </a:solidFill>
@@ -3821,7 +3822,7 @@
             </a:ln>
             <a:extLst>
               <a:ext uri="{91240B29-F687-4f45-9708-019B960494DF}">
-                <a14:hiddenLine xmlns:a14="http://schemas.microsoft.com/office/drawing/2010/main" xmlns="" w="9525">
+                <a14:hiddenLine xmlns="" xmlns:a14="http://schemas.microsoft.com/office/drawing/2010/main" w="9525">
                   <a:solidFill>
                     <a:srgbClr val="000000"/>
                   </a:solidFill>
@@ -3911,7 +3912,7 @@
             </a:ln>
             <a:extLst>
               <a:ext uri="{91240B29-F687-4f45-9708-019B960494DF}">
-                <a14:hiddenLine xmlns:a14="http://schemas.microsoft.com/office/drawing/2010/main" xmlns="" w="9525">
+                <a14:hiddenLine xmlns="" xmlns:a14="http://schemas.microsoft.com/office/drawing/2010/main" w="9525">
                   <a:solidFill>
                     <a:srgbClr val="000000"/>
                   </a:solidFill>
@@ -3973,7 +3974,7 @@
             </a:ln>
             <a:extLst>
               <a:ext uri="{91240B29-F687-4f45-9708-019B960494DF}">
-                <a14:hiddenLine xmlns:a14="http://schemas.microsoft.com/office/drawing/2010/main" xmlns="" w="9525">
+                <a14:hiddenLine xmlns="" xmlns:a14="http://schemas.microsoft.com/office/drawing/2010/main" w="9525">
                   <a:solidFill>
                     <a:srgbClr val="000000"/>
                   </a:solidFill>
@@ -4093,7 +4094,7 @@
             </a:ln>
             <a:extLst>
               <a:ext uri="{91240B29-F687-4f45-9708-019B960494DF}">
-                <a14:hiddenLine xmlns:a14="http://schemas.microsoft.com/office/drawing/2010/main" xmlns="" w="9525">
+                <a14:hiddenLine xmlns="" xmlns:a14="http://schemas.microsoft.com/office/drawing/2010/main" w="9525">
                   <a:solidFill>
                     <a:srgbClr val="000000"/>
                   </a:solidFill>
@@ -4161,7 +4162,7 @@
             </a:ln>
             <a:extLst>
               <a:ext uri="{91240B29-F687-4f45-9708-019B960494DF}">
-                <a14:hiddenLine xmlns:a14="http://schemas.microsoft.com/office/drawing/2010/main" xmlns="" w="9525">
+                <a14:hiddenLine xmlns="" xmlns:a14="http://schemas.microsoft.com/office/drawing/2010/main" w="9525">
                   <a:solidFill>
                     <a:srgbClr val="000000"/>
                   </a:solidFill>
@@ -4251,7 +4252,7 @@
             </a:ln>
             <a:extLst>
               <a:ext uri="{91240B29-F687-4f45-9708-019B960494DF}">
-                <a14:hiddenLine xmlns:a14="http://schemas.microsoft.com/office/drawing/2010/main" xmlns="" w="9525">
+                <a14:hiddenLine xmlns="" xmlns:a14="http://schemas.microsoft.com/office/drawing/2010/main" w="9525">
                   <a:solidFill>
                     <a:srgbClr val="000000"/>
                   </a:solidFill>
@@ -4391,7 +4392,7 @@
           <a:p>
             <a:fld id="{4AF8082C-0922-4249-A612-B415F5231620}" type="datetime1">
               <a:rPr lang="en-US" smtClean="0"/>
-              <a:t>2/20/2021</a:t>
+              <a:t>2/21/2021</a:t>
             </a:fld>
             <a:endParaRPr lang="en-US" dirty="0"/>
           </a:p>
@@ -4660,7 +4661,7 @@
           <a:p>
             <a:fld id="{4AF8082C-0922-4249-A612-B415F5231620}" type="datetime1">
               <a:rPr lang="en-US" smtClean="0"/>
-              <a:t>2/20/2021</a:t>
+              <a:t>2/21/2021</a:t>
             </a:fld>
             <a:endParaRPr lang="en-US" dirty="0"/>
           </a:p>
@@ -4858,7 +4859,7 @@
           <a:p>
             <a:fld id="{4AF8082C-0922-4249-A612-B415F5231620}" type="datetime1">
               <a:rPr lang="en-US" smtClean="0"/>
-              <a:t>2/20/2021</a:t>
+              <a:t>2/21/2021</a:t>
             </a:fld>
             <a:endParaRPr lang="en-US" dirty="0"/>
           </a:p>
@@ -5123,7 +5124,7 @@
           <a:p>
             <a:fld id="{4AF8082C-0922-4249-A612-B415F5231620}" type="datetime1">
               <a:rPr lang="en-US" smtClean="0"/>
-              <a:t>2/20/2021</a:t>
+              <a:t>2/21/2021</a:t>
             </a:fld>
             <a:endParaRPr lang="en-US" dirty="0"/>
           </a:p>
@@ -5559,7 +5560,7 @@
           <a:p>
             <a:fld id="{4AF8082C-0922-4249-A612-B415F5231620}" type="datetime1">
               <a:rPr lang="en-US" smtClean="0"/>
-              <a:t>2/20/2021</a:t>
+              <a:t>2/21/2021</a:t>
             </a:fld>
             <a:endParaRPr lang="en-US" dirty="0"/>
           </a:p>
@@ -6107,7 +6108,7 @@
           <a:p>
             <a:fld id="{4AF8082C-0922-4249-A612-B415F5231620}" type="datetime1">
               <a:rPr lang="en-US" smtClean="0"/>
-              <a:t>2/20/2021</a:t>
+              <a:t>2/21/2021</a:t>
             </a:fld>
             <a:endParaRPr lang="en-US" dirty="0"/>
           </a:p>
@@ -6829,7 +6830,7 @@
           <a:p>
             <a:fld id="{4AF8082C-0922-4249-A612-B415F5231620}" type="datetime1">
               <a:rPr lang="en-US" smtClean="0"/>
-              <a:t>2/20/2021</a:t>
+              <a:t>2/21/2021</a:t>
             </a:fld>
             <a:endParaRPr lang="en-US" dirty="0"/>
           </a:p>
@@ -7001,7 +7002,7 @@
           <a:p>
             <a:fld id="{4AF8082C-0922-4249-A612-B415F5231620}" type="datetime1">
               <a:rPr lang="en-US" smtClean="0"/>
-              <a:t>2/20/2021</a:t>
+              <a:t>2/21/2021</a:t>
             </a:fld>
             <a:endParaRPr lang="en-US" dirty="0"/>
           </a:p>
@@ -7183,7 +7184,7 @@
           <a:p>
             <a:fld id="{4AF8082C-0922-4249-A612-B415F5231620}" type="datetime1">
               <a:rPr lang="en-US" smtClean="0"/>
-              <a:t>2/20/2021</a:t>
+              <a:t>2/21/2021</a:t>
             </a:fld>
             <a:endParaRPr lang="en-US" dirty="0"/>
           </a:p>
@@ -7355,7 +7356,7 @@
           <a:p>
             <a:fld id="{4AF8082C-0922-4249-A612-B415F5231620}" type="datetime1">
               <a:rPr lang="en-US" smtClean="0"/>
-              <a:t>2/20/2021</a:t>
+              <a:t>2/21/2021</a:t>
             </a:fld>
             <a:endParaRPr lang="en-US" dirty="0"/>
           </a:p>
@@ -7607,7 +7608,7 @@
           <a:p>
             <a:fld id="{4AF8082C-0922-4249-A612-B415F5231620}" type="datetime1">
               <a:rPr lang="en-US" smtClean="0"/>
-              <a:t>2/20/2021</a:t>
+              <a:t>2/21/2021</a:t>
             </a:fld>
             <a:endParaRPr lang="en-US" dirty="0"/>
           </a:p>
@@ -7841,7 +7842,7 @@
           <a:p>
             <a:fld id="{4AF8082C-0922-4249-A612-B415F5231620}" type="datetime1">
               <a:rPr lang="en-US" smtClean="0"/>
-              <a:t>2/20/2021</a:t>
+              <a:t>2/21/2021</a:t>
             </a:fld>
             <a:endParaRPr lang="en-US" dirty="0"/>
           </a:p>
@@ -8224,7 +8225,7 @@
           <a:p>
             <a:fld id="{4AF8082C-0922-4249-A612-B415F5231620}" type="datetime1">
               <a:rPr lang="en-US" smtClean="0"/>
-              <a:t>2/20/2021</a:t>
+              <a:t>2/21/2021</a:t>
             </a:fld>
             <a:endParaRPr lang="en-US" dirty="0"/>
           </a:p>
@@ -8344,7 +8345,7 @@
           <a:p>
             <a:fld id="{4AF8082C-0922-4249-A612-B415F5231620}" type="datetime1">
               <a:rPr lang="en-US" smtClean="0"/>
-              <a:t>2/20/2021</a:t>
+              <a:t>2/21/2021</a:t>
             </a:fld>
             <a:endParaRPr lang="en-US" dirty="0"/>
           </a:p>
@@ -8441,7 +8442,7 @@
           <a:p>
             <a:fld id="{4AF8082C-0922-4249-A612-B415F5231620}" type="datetime1">
               <a:rPr lang="en-US" smtClean="0"/>
-              <a:t>2/20/2021</a:t>
+              <a:t>2/21/2021</a:t>
             </a:fld>
             <a:endParaRPr lang="en-US" dirty="0"/>
           </a:p>
@@ -8692,7 +8693,7 @@
           <a:p>
             <a:fld id="{4AF8082C-0922-4249-A612-B415F5231620}" type="datetime1">
               <a:rPr lang="en-US" smtClean="0"/>
-              <a:t>2/20/2021</a:t>
+              <a:t>2/21/2021</a:t>
             </a:fld>
             <a:endParaRPr lang="en-US" dirty="0"/>
           </a:p>
@@ -8974,7 +8975,7 @@
           <a:p>
             <a:fld id="{4AF8082C-0922-4249-A612-B415F5231620}" type="datetime1">
               <a:rPr lang="en-US" smtClean="0"/>
-              <a:t>2/20/2021</a:t>
+              <a:t>2/21/2021</a:t>
             </a:fld>
             <a:endParaRPr lang="en-US" dirty="0"/>
           </a:p>
@@ -9092,7 +9093,7 @@
           <a:noFill/>
           <a:extLst>
             <a:ext uri="{909E8E84-426E-40dd-AFC4-6F175D3DCCD1}">
-              <a14:hiddenFill xmlns:a14="http://schemas.microsoft.com/office/drawing/2010/main" xmlns="">
+              <a14:hiddenFill xmlns="" xmlns:a14="http://schemas.microsoft.com/office/drawing/2010/main">
                 <a:solidFill>
                   <a:srgbClr val="FFFFFF"/>
                 </a:solidFill>
@@ -9166,7 +9167,7 @@
               </a:ln>
               <a:extLst>
                 <a:ext uri="{91240B29-F687-4f45-9708-019B960494DF}">
-                  <a14:hiddenLine xmlns:a14="http://schemas.microsoft.com/office/drawing/2010/main" xmlns="" w="9525">
+                  <a14:hiddenLine xmlns="" xmlns:a14="http://schemas.microsoft.com/office/drawing/2010/main" w="9525">
                     <a:solidFill>
                       <a:srgbClr val="000000"/>
                     </a:solidFill>
@@ -9256,7 +9257,7 @@
               </a:ln>
               <a:extLst>
                 <a:ext uri="{91240B29-F687-4f45-9708-019B960494DF}">
-                  <a14:hiddenLine xmlns:a14="http://schemas.microsoft.com/office/drawing/2010/main" xmlns="" w="9525">
+                  <a14:hiddenLine xmlns="" xmlns:a14="http://schemas.microsoft.com/office/drawing/2010/main" w="9525">
                     <a:solidFill>
                       <a:srgbClr val="000000"/>
                     </a:solidFill>
@@ -9346,7 +9347,7 @@
               </a:ln>
               <a:extLst>
                 <a:ext uri="{91240B29-F687-4f45-9708-019B960494DF}">
-                  <a14:hiddenLine xmlns:a14="http://schemas.microsoft.com/office/drawing/2010/main" xmlns="" w="9525">
+                  <a14:hiddenLine xmlns="" xmlns:a14="http://schemas.microsoft.com/office/drawing/2010/main" w="9525">
                     <a:solidFill>
                       <a:srgbClr val="000000"/>
                     </a:solidFill>
@@ -9408,7 +9409,7 @@
               </a:ln>
               <a:extLst>
                 <a:ext uri="{91240B29-F687-4f45-9708-019B960494DF}">
-                  <a14:hiddenLine xmlns:a14="http://schemas.microsoft.com/office/drawing/2010/main" xmlns="" w="9525">
+                  <a14:hiddenLine xmlns="" xmlns:a14="http://schemas.microsoft.com/office/drawing/2010/main" w="9525">
                     <a:solidFill>
                       <a:srgbClr val="000000"/>
                     </a:solidFill>
@@ -9498,7 +9499,7 @@
               </a:ln>
               <a:extLst>
                 <a:ext uri="{91240B29-F687-4f45-9708-019B960494DF}">
-                  <a14:hiddenLine xmlns:a14="http://schemas.microsoft.com/office/drawing/2010/main" xmlns="" w="9525">
+                  <a14:hiddenLine xmlns="" xmlns:a14="http://schemas.microsoft.com/office/drawing/2010/main" w="9525">
                     <a:solidFill>
                       <a:srgbClr val="000000"/>
                     </a:solidFill>
@@ -9560,7 +9561,7 @@
               </a:ln>
               <a:extLst>
                 <a:ext uri="{91240B29-F687-4f45-9708-019B960494DF}">
-                  <a14:hiddenLine xmlns:a14="http://schemas.microsoft.com/office/drawing/2010/main" xmlns="" w="9525">
+                  <a14:hiddenLine xmlns="" xmlns:a14="http://schemas.microsoft.com/office/drawing/2010/main" w="9525">
                     <a:solidFill>
                       <a:srgbClr val="000000"/>
                     </a:solidFill>
@@ -9622,7 +9623,7 @@
               </a:ln>
               <a:extLst>
                 <a:ext uri="{91240B29-F687-4f45-9708-019B960494DF}">
-                  <a14:hiddenLine xmlns:a14="http://schemas.microsoft.com/office/drawing/2010/main" xmlns="" w="9525">
+                  <a14:hiddenLine xmlns="" xmlns:a14="http://schemas.microsoft.com/office/drawing/2010/main" w="9525">
                     <a:solidFill>
                       <a:srgbClr val="000000"/>
                     </a:solidFill>
@@ -9712,7 +9713,7 @@
               </a:ln>
               <a:extLst>
                 <a:ext uri="{91240B29-F687-4f45-9708-019B960494DF}">
-                  <a14:hiddenLine xmlns:a14="http://schemas.microsoft.com/office/drawing/2010/main" xmlns="" w="9525">
+                  <a14:hiddenLine xmlns="" xmlns:a14="http://schemas.microsoft.com/office/drawing/2010/main" w="9525">
                     <a:solidFill>
                       <a:srgbClr val="000000"/>
                     </a:solidFill>
@@ -9802,7 +9803,7 @@
               </a:ln>
               <a:extLst>
                 <a:ext uri="{91240B29-F687-4f45-9708-019B960494DF}">
-                  <a14:hiddenLine xmlns:a14="http://schemas.microsoft.com/office/drawing/2010/main" xmlns="" w="9525">
+                  <a14:hiddenLine xmlns="" xmlns:a14="http://schemas.microsoft.com/office/drawing/2010/main" w="9525">
                     <a:solidFill>
                       <a:srgbClr val="000000"/>
                     </a:solidFill>
@@ -9864,7 +9865,7 @@
               </a:ln>
               <a:extLst>
                 <a:ext uri="{91240B29-F687-4f45-9708-019B960494DF}">
-                  <a14:hiddenLine xmlns:a14="http://schemas.microsoft.com/office/drawing/2010/main" xmlns="" w="9525">
+                  <a14:hiddenLine xmlns="" xmlns:a14="http://schemas.microsoft.com/office/drawing/2010/main" w="9525">
                     <a:solidFill>
                       <a:srgbClr val="000000"/>
                     </a:solidFill>
@@ -9974,7 +9975,7 @@
               </a:ln>
               <a:extLst>
                 <a:ext uri="{91240B29-F687-4f45-9708-019B960494DF}">
-                  <a14:hiddenLine xmlns:a14="http://schemas.microsoft.com/office/drawing/2010/main" xmlns="" w="9525">
+                  <a14:hiddenLine xmlns="" xmlns:a14="http://schemas.microsoft.com/office/drawing/2010/main" w="9525">
                     <a:solidFill>
                       <a:srgbClr val="000000"/>
                     </a:solidFill>
@@ -10058,7 +10059,7 @@
               </a:ln>
               <a:extLst>
                 <a:ext uri="{91240B29-F687-4f45-9708-019B960494DF}">
-                  <a14:hiddenLine xmlns:a14="http://schemas.microsoft.com/office/drawing/2010/main" xmlns="" w="9525">
+                  <a14:hiddenLine xmlns="" xmlns:a14="http://schemas.microsoft.com/office/drawing/2010/main" w="9525">
                     <a:solidFill>
                       <a:srgbClr val="000000"/>
                     </a:solidFill>
@@ -10120,7 +10121,7 @@
               </a:ln>
               <a:extLst>
                 <a:ext uri="{91240B29-F687-4f45-9708-019B960494DF}">
-                  <a14:hiddenLine xmlns:a14="http://schemas.microsoft.com/office/drawing/2010/main" xmlns="" w="9525">
+                  <a14:hiddenLine xmlns="" xmlns:a14="http://schemas.microsoft.com/office/drawing/2010/main" w="9525">
                     <a:solidFill>
                       <a:srgbClr val="000000"/>
                     </a:solidFill>
@@ -10182,7 +10183,7 @@
               </a:ln>
               <a:extLst>
                 <a:ext uri="{91240B29-F687-4f45-9708-019B960494DF}">
-                  <a14:hiddenLine xmlns:a14="http://schemas.microsoft.com/office/drawing/2010/main" xmlns="" w="9525">
+                  <a14:hiddenLine xmlns="" xmlns:a14="http://schemas.microsoft.com/office/drawing/2010/main" w="9525">
                     <a:solidFill>
                       <a:srgbClr val="000000"/>
                     </a:solidFill>
@@ -10272,7 +10273,7 @@
               </a:ln>
               <a:extLst>
                 <a:ext uri="{91240B29-F687-4f45-9708-019B960494DF}">
-                  <a14:hiddenLine xmlns:a14="http://schemas.microsoft.com/office/drawing/2010/main" xmlns="" w="9525">
+                  <a14:hiddenLine xmlns="" xmlns:a14="http://schemas.microsoft.com/office/drawing/2010/main" w="9525">
                     <a:solidFill>
                       <a:srgbClr val="000000"/>
                     </a:solidFill>
@@ -10306,7 +10307,7 @@
               </a:ln>
               <a:extLst>
                 <a:ext uri="{91240B29-F687-4f45-9708-019B960494DF}">
-                  <a14:hiddenLine xmlns:a14="http://schemas.microsoft.com/office/drawing/2010/main" xmlns="" w="9525">
+                  <a14:hiddenLine xmlns="" xmlns:a14="http://schemas.microsoft.com/office/drawing/2010/main" w="9525">
                     <a:solidFill>
                       <a:srgbClr val="000000"/>
                     </a:solidFill>
@@ -10371,7 +10372,7 @@
               </a:ln>
               <a:extLst>
                 <a:ext uri="{91240B29-F687-4f45-9708-019B960494DF}">
-                  <a14:hiddenLine xmlns:a14="http://schemas.microsoft.com/office/drawing/2010/main" xmlns="" w="9525">
+                  <a14:hiddenLine xmlns="" xmlns:a14="http://schemas.microsoft.com/office/drawing/2010/main" w="9525">
                     <a:solidFill>
                       <a:srgbClr val="000000"/>
                     </a:solidFill>
@@ -10461,7 +10462,7 @@
               </a:ln>
               <a:extLst>
                 <a:ext uri="{91240B29-F687-4f45-9708-019B960494DF}">
-                  <a14:hiddenLine xmlns:a14="http://schemas.microsoft.com/office/drawing/2010/main" xmlns="" w="9525">
+                  <a14:hiddenLine xmlns="" xmlns:a14="http://schemas.microsoft.com/office/drawing/2010/main" w="9525">
                     <a:solidFill>
                       <a:srgbClr val="000000"/>
                     </a:solidFill>
@@ -10523,7 +10524,7 @@
               </a:ln>
               <a:extLst>
                 <a:ext uri="{91240B29-F687-4f45-9708-019B960494DF}">
-                  <a14:hiddenLine xmlns:a14="http://schemas.microsoft.com/office/drawing/2010/main" xmlns="" w="9525">
+                  <a14:hiddenLine xmlns="" xmlns:a14="http://schemas.microsoft.com/office/drawing/2010/main" w="9525">
                     <a:solidFill>
                       <a:srgbClr val="000000"/>
                     </a:solidFill>
@@ -10613,7 +10614,7 @@
               </a:ln>
               <a:extLst>
                 <a:ext uri="{91240B29-F687-4f45-9708-019B960494DF}">
-                  <a14:hiddenLine xmlns:a14="http://schemas.microsoft.com/office/drawing/2010/main" xmlns="" w="9525">
+                  <a14:hiddenLine xmlns="" xmlns:a14="http://schemas.microsoft.com/office/drawing/2010/main" w="9525">
                     <a:solidFill>
                       <a:srgbClr val="000000"/>
                     </a:solidFill>
@@ -10678,7 +10679,7 @@
               </a:ln>
               <a:extLst>
                 <a:ext uri="{91240B29-F687-4f45-9708-019B960494DF}">
-                  <a14:hiddenLine xmlns:a14="http://schemas.microsoft.com/office/drawing/2010/main" xmlns="" w="9525">
+                  <a14:hiddenLine xmlns="" xmlns:a14="http://schemas.microsoft.com/office/drawing/2010/main" w="9525">
                     <a:solidFill>
                       <a:srgbClr val="000000"/>
                     </a:solidFill>
@@ -10740,7 +10741,7 @@
               </a:ln>
               <a:extLst>
                 <a:ext uri="{91240B29-F687-4f45-9708-019B960494DF}">
-                  <a14:hiddenLine xmlns:a14="http://schemas.microsoft.com/office/drawing/2010/main" xmlns="" w="9525">
+                  <a14:hiddenLine xmlns="" xmlns:a14="http://schemas.microsoft.com/office/drawing/2010/main" w="9525">
                     <a:solidFill>
                       <a:srgbClr val="000000"/>
                     </a:solidFill>
@@ -10830,7 +10831,7 @@
               </a:ln>
               <a:extLst>
                 <a:ext uri="{91240B29-F687-4f45-9708-019B960494DF}">
-                  <a14:hiddenLine xmlns:a14="http://schemas.microsoft.com/office/drawing/2010/main" xmlns="" w="9525">
+                  <a14:hiddenLine xmlns="" xmlns:a14="http://schemas.microsoft.com/office/drawing/2010/main" w="9525">
                     <a:solidFill>
                       <a:srgbClr val="000000"/>
                     </a:solidFill>
@@ -10920,7 +10921,7 @@
               </a:ln>
               <a:extLst>
                 <a:ext uri="{91240B29-F687-4f45-9708-019B960494DF}">
-                  <a14:hiddenLine xmlns:a14="http://schemas.microsoft.com/office/drawing/2010/main" xmlns="" w="9525">
+                  <a14:hiddenLine xmlns="" xmlns:a14="http://schemas.microsoft.com/office/drawing/2010/main" w="9525">
                     <a:solidFill>
                       <a:srgbClr val="000000"/>
                     </a:solidFill>
@@ -10985,7 +10986,7 @@
               </a:ln>
               <a:extLst>
                 <a:ext uri="{91240B29-F687-4f45-9708-019B960494DF}">
-                  <a14:hiddenLine xmlns:a14="http://schemas.microsoft.com/office/drawing/2010/main" xmlns="" w="9525">
+                  <a14:hiddenLine xmlns="" xmlns:a14="http://schemas.microsoft.com/office/drawing/2010/main" w="9525">
                     <a:solidFill>
                       <a:srgbClr val="000000"/>
                     </a:solidFill>
@@ -11105,7 +11106,7 @@
               </a:ln>
               <a:extLst>
                 <a:ext uri="{91240B29-F687-4f45-9708-019B960494DF}">
-                  <a14:hiddenLine xmlns:a14="http://schemas.microsoft.com/office/drawing/2010/main" xmlns="" w="9525">
+                  <a14:hiddenLine xmlns="" xmlns:a14="http://schemas.microsoft.com/office/drawing/2010/main" w="9525">
                     <a:solidFill>
                       <a:srgbClr val="000000"/>
                     </a:solidFill>
@@ -11203,7 +11204,7 @@
               </a:ln>
               <a:extLst>
                 <a:ext uri="{91240B29-F687-4f45-9708-019B960494DF}">
-                  <a14:hiddenLine xmlns:a14="http://schemas.microsoft.com/office/drawing/2010/main" xmlns="" w="9525">
+                  <a14:hiddenLine xmlns="" xmlns:a14="http://schemas.microsoft.com/office/drawing/2010/main" w="9525">
                     <a:solidFill>
                       <a:srgbClr val="000000"/>
                     </a:solidFill>
@@ -11318,7 +11319,7 @@
               </a:ln>
               <a:extLst>
                 <a:ext uri="{91240B29-F687-4f45-9708-019B960494DF}">
-                  <a14:hiddenLine xmlns:a14="http://schemas.microsoft.com/office/drawing/2010/main" xmlns="" w="9525">
+                  <a14:hiddenLine xmlns="" xmlns:a14="http://schemas.microsoft.com/office/drawing/2010/main" w="9525">
                     <a:solidFill>
                       <a:srgbClr val="000000"/>
                     </a:solidFill>
@@ -11408,7 +11409,7 @@
               </a:ln>
               <a:extLst>
                 <a:ext uri="{91240B29-F687-4f45-9708-019B960494DF}">
-                  <a14:hiddenLine xmlns:a14="http://schemas.microsoft.com/office/drawing/2010/main" xmlns="" w="9525">
+                  <a14:hiddenLine xmlns="" xmlns:a14="http://schemas.microsoft.com/office/drawing/2010/main" w="9525">
                     <a:solidFill>
                       <a:srgbClr val="000000"/>
                     </a:solidFill>
@@ -11473,7 +11474,7 @@
               </a:ln>
               <a:extLst>
                 <a:ext uri="{91240B29-F687-4f45-9708-019B960494DF}">
-                  <a14:hiddenLine xmlns:a14="http://schemas.microsoft.com/office/drawing/2010/main" xmlns="" w="9525">
+                  <a14:hiddenLine xmlns="" xmlns:a14="http://schemas.microsoft.com/office/drawing/2010/main" w="9525">
                     <a:solidFill>
                       <a:srgbClr val="000000"/>
                     </a:solidFill>
@@ -11563,7 +11564,7 @@
               </a:ln>
               <a:extLst>
                 <a:ext uri="{91240B29-F687-4f45-9708-019B960494DF}">
-                  <a14:hiddenLine xmlns:a14="http://schemas.microsoft.com/office/drawing/2010/main" xmlns="" w="9525">
+                  <a14:hiddenLine xmlns="" xmlns:a14="http://schemas.microsoft.com/office/drawing/2010/main" w="9525">
                     <a:solidFill>
                       <a:srgbClr val="000000"/>
                     </a:solidFill>
@@ -11631,7 +11632,7 @@
               </a:ln>
               <a:extLst>
                 <a:ext uri="{91240B29-F687-4f45-9708-019B960494DF}">
-                  <a14:hiddenLine xmlns:a14="http://schemas.microsoft.com/office/drawing/2010/main" xmlns="" w="9525">
+                  <a14:hiddenLine xmlns="" xmlns:a14="http://schemas.microsoft.com/office/drawing/2010/main" w="9525">
                     <a:solidFill>
                       <a:srgbClr val="000000"/>
                     </a:solidFill>
@@ -11721,7 +11722,7 @@
               </a:ln>
               <a:extLst>
                 <a:ext uri="{91240B29-F687-4f45-9708-019B960494DF}">
-                  <a14:hiddenLine xmlns:a14="http://schemas.microsoft.com/office/drawing/2010/main" xmlns="" w="9525">
+                  <a14:hiddenLine xmlns="" xmlns:a14="http://schemas.microsoft.com/office/drawing/2010/main" w="9525">
                     <a:solidFill>
                       <a:srgbClr val="000000"/>
                     </a:solidFill>
@@ -11789,7 +11790,7 @@
               </a:ln>
               <a:extLst>
                 <a:ext uri="{91240B29-F687-4f45-9708-019B960494DF}">
-                  <a14:hiddenLine xmlns:a14="http://schemas.microsoft.com/office/drawing/2010/main" xmlns="" w="9525">
+                  <a14:hiddenLine xmlns="" xmlns:a14="http://schemas.microsoft.com/office/drawing/2010/main" w="9525">
                     <a:solidFill>
                       <a:srgbClr val="000000"/>
                     </a:solidFill>
@@ -11879,7 +11880,7 @@
               </a:ln>
               <a:extLst>
                 <a:ext uri="{91240B29-F687-4f45-9708-019B960494DF}">
-                  <a14:hiddenLine xmlns:a14="http://schemas.microsoft.com/office/drawing/2010/main" xmlns="" w="9525">
+                  <a14:hiddenLine xmlns="" xmlns:a14="http://schemas.microsoft.com/office/drawing/2010/main" w="9525">
                     <a:solidFill>
                       <a:srgbClr val="000000"/>
                     </a:solidFill>
@@ -11913,7 +11914,7 @@
               </a:ln>
               <a:extLst>
                 <a:ext uri="{91240B29-F687-4f45-9708-019B960494DF}">
-                  <a14:hiddenLine xmlns:a14="http://schemas.microsoft.com/office/drawing/2010/main" xmlns="" w="9525">
+                  <a14:hiddenLine xmlns="" xmlns:a14="http://schemas.microsoft.com/office/drawing/2010/main" w="9525">
                     <a:solidFill>
                       <a:srgbClr val="000000"/>
                     </a:solidFill>
@@ -12053,7 +12054,7 @@
           <a:p>
             <a:fld id="{4AF8082C-0922-4249-A612-B415F5231620}" type="datetime1">
               <a:rPr lang="en-US" smtClean="0"/>
-              <a:t>2/20/2021</a:t>
+              <a:t>2/21/2021</a:t>
             </a:fld>
             <a:endParaRPr lang="en-US" dirty="0"/>
           </a:p>
@@ -12973,7 +12974,7 @@
           <a:p>
             <a:r>
               <a:rPr lang="hu-HU" sz="5000" dirty="0"/>
-              <a:t>Felhasználó felület</a:t>
+              <a:t>Felhasználói felület</a:t>
             </a:r>
           </a:p>
         </p:txBody>
@@ -13106,6 +13107,131 @@
 </file>
 
 <file path=ppt/slides/slide4.xml><?xml version="1.0" encoding="utf-8"?>
+<p:sld xmlns:a="http://schemas.openxmlformats.org/drawingml/2006/main" xmlns:r="http://schemas.openxmlformats.org/officeDocument/2006/relationships" xmlns:p="http://schemas.openxmlformats.org/presentationml/2006/main">
+  <p:cSld>
+    <p:spTree>
+      <p:nvGrpSpPr>
+        <p:cNvPr id="1" name=""/>
+        <p:cNvGrpSpPr/>
+        <p:nvPr/>
+      </p:nvGrpSpPr>
+      <p:grpSpPr>
+        <a:xfrm>
+          <a:off x="0" y="0"/>
+          <a:ext cx="0" cy="0"/>
+          <a:chOff x="0" y="0"/>
+          <a:chExt cx="0" cy="0"/>
+        </a:xfrm>
+      </p:grpSpPr>
+      <p:sp>
+        <p:nvSpPr>
+          <p:cNvPr id="3" name="Szövegdoboz 2">
+            <a:extLst>
+              <a:ext uri="{FF2B5EF4-FFF2-40B4-BE49-F238E27FC236}">
+                <a16:creationId xmlns:a16="http://schemas.microsoft.com/office/drawing/2014/main" id="{7CE2B528-CAE9-497E-8116-56DFA7C70CCC}"/>
+              </a:ext>
+            </a:extLst>
+          </p:cNvPr>
+          <p:cNvSpPr txBox="1"/>
+          <p:nvPr/>
+        </p:nvSpPr>
+        <p:spPr>
+          <a:xfrm>
+            <a:off x="3375295" y="137049"/>
+            <a:ext cx="6325298" cy="861774"/>
+          </a:xfrm>
+          <a:prstGeom prst="rect">
+            <a:avLst/>
+          </a:prstGeom>
+          <a:noFill/>
+        </p:spPr>
+        <p:txBody>
+          <a:bodyPr wrap="square" rtlCol="0">
+            <a:spAutoFit/>
+          </a:bodyPr>
+          <a:lstStyle/>
+          <a:p>
+            <a:r>
+              <a:rPr lang="hu-HU" sz="5000" dirty="0"/>
+              <a:t>Felhasználói felület</a:t>
+            </a:r>
+          </a:p>
+        </p:txBody>
+      </p:sp>
+      <p:pic>
+        <p:nvPicPr>
+          <p:cNvPr id="5" name="Kép 4">
+            <a:extLst>
+              <a:ext uri="{FF2B5EF4-FFF2-40B4-BE49-F238E27FC236}">
+                <a16:creationId xmlns:a16="http://schemas.microsoft.com/office/drawing/2014/main" id="{DD5902B0-559C-44DB-AE0C-98DC6F0D9A9E}"/>
+              </a:ext>
+            </a:extLst>
+          </p:cNvPr>
+          <p:cNvPicPr>
+            <a:picLocks noChangeAspect="1"/>
+          </p:cNvPicPr>
+          <p:nvPr/>
+        </p:nvPicPr>
+        <p:blipFill>
+          <a:blip r:embed="rId2"/>
+          <a:stretch>
+            <a:fillRect/>
+          </a:stretch>
+        </p:blipFill>
+        <p:spPr>
+          <a:xfrm>
+            <a:off x="6537944" y="1180074"/>
+            <a:ext cx="4525936" cy="4962542"/>
+          </a:xfrm>
+          <a:prstGeom prst="rect">
+            <a:avLst/>
+          </a:prstGeom>
+        </p:spPr>
+      </p:pic>
+      <p:pic>
+        <p:nvPicPr>
+          <p:cNvPr id="7" name="Kép 6">
+            <a:extLst>
+              <a:ext uri="{FF2B5EF4-FFF2-40B4-BE49-F238E27FC236}">
+                <a16:creationId xmlns:a16="http://schemas.microsoft.com/office/drawing/2014/main" id="{D5EA5A11-2CDB-4C6E-9CFB-1CB2A0F479AA}"/>
+              </a:ext>
+            </a:extLst>
+          </p:cNvPr>
+          <p:cNvPicPr>
+            <a:picLocks noChangeAspect="1"/>
+          </p:cNvPicPr>
+          <p:nvPr/>
+        </p:nvPicPr>
+        <p:blipFill>
+          <a:blip r:embed="rId3"/>
+          <a:stretch>
+            <a:fillRect/>
+          </a:stretch>
+        </p:blipFill>
+        <p:spPr>
+          <a:xfrm>
+            <a:off x="1272052" y="1174136"/>
+            <a:ext cx="4988787" cy="4968480"/>
+          </a:xfrm>
+          <a:prstGeom prst="rect">
+            <a:avLst/>
+          </a:prstGeom>
+        </p:spPr>
+      </p:pic>
+    </p:spTree>
+    <p:extLst>
+      <p:ext uri="{BB962C8B-B14F-4D97-AF65-F5344CB8AC3E}">
+        <p14:creationId xmlns:p14="http://schemas.microsoft.com/office/powerpoint/2010/main" val="213090561"/>
+      </p:ext>
+    </p:extLst>
+  </p:cSld>
+  <p:clrMapOvr>
+    <a:masterClrMapping/>
+  </p:clrMapOvr>
+</p:sld>
+</file>
+
+<file path=ppt/slides/slide5.xml><?xml version="1.0" encoding="utf-8"?>
 <p:sld xmlns:a="http://schemas.openxmlformats.org/drawingml/2006/main" xmlns:r="http://schemas.openxmlformats.org/officeDocument/2006/relationships" xmlns:p="http://schemas.openxmlformats.org/presentationml/2006/main">
   <p:cSld>
     <p:spTree>

--- a/Specifikáció.pptx
+++ b/Specifikáció.pptx
@@ -166,7 +166,7 @@
           <a:noFill/>
           <a:extLst>
             <a:ext uri="{909E8E84-426E-40dd-AFC4-6F175D3DCCD1}">
-              <a14:hiddenFill xmlns="" xmlns:a14="http://schemas.microsoft.com/office/drawing/2010/main">
+              <a14:hiddenFill xmlns:a14="http://schemas.microsoft.com/office/drawing/2010/main" xmlns="">
                 <a:solidFill>
                   <a:srgbClr val="FFFFFF"/>
                 </a:solidFill>
@@ -226,7 +226,7 @@
             </a:ln>
             <a:extLst>
               <a:ext uri="{91240B29-F687-4f45-9708-019B960494DF}">
-                <a14:hiddenLine xmlns="" xmlns:a14="http://schemas.microsoft.com/office/drawing/2010/main" w="9525">
+                <a14:hiddenLine xmlns:a14="http://schemas.microsoft.com/office/drawing/2010/main" xmlns="" w="9525">
                   <a:solidFill>
                     <a:srgbClr val="000000"/>
                   </a:solidFill>
@@ -316,7 +316,7 @@
             </a:ln>
             <a:extLst>
               <a:ext uri="{91240B29-F687-4f45-9708-019B960494DF}">
-                <a14:hiddenLine xmlns="" xmlns:a14="http://schemas.microsoft.com/office/drawing/2010/main" w="9525">
+                <a14:hiddenLine xmlns:a14="http://schemas.microsoft.com/office/drawing/2010/main" xmlns="" w="9525">
                   <a:solidFill>
                     <a:srgbClr val="000000"/>
                   </a:solidFill>
@@ -406,7 +406,7 @@
             </a:ln>
             <a:extLst>
               <a:ext uri="{91240B29-F687-4f45-9708-019B960494DF}">
-                <a14:hiddenLine xmlns="" xmlns:a14="http://schemas.microsoft.com/office/drawing/2010/main" w="9525">
+                <a14:hiddenLine xmlns:a14="http://schemas.microsoft.com/office/drawing/2010/main" xmlns="" w="9525">
                   <a:solidFill>
                     <a:srgbClr val="000000"/>
                   </a:solidFill>
@@ -440,7 +440,7 @@
             </a:ln>
             <a:extLst>
               <a:ext uri="{91240B29-F687-4f45-9708-019B960494DF}">
-                <a14:hiddenLine xmlns="" xmlns:a14="http://schemas.microsoft.com/office/drawing/2010/main" w="9525">
+                <a14:hiddenLine xmlns:a14="http://schemas.microsoft.com/office/drawing/2010/main" xmlns="" w="9525">
                   <a:solidFill>
                     <a:srgbClr val="000000"/>
                   </a:solidFill>
@@ -530,7 +530,7 @@
             </a:ln>
             <a:extLst>
               <a:ext uri="{91240B29-F687-4f45-9708-019B960494DF}">
-                <a14:hiddenLine xmlns="" xmlns:a14="http://schemas.microsoft.com/office/drawing/2010/main" w="9525">
+                <a14:hiddenLine xmlns:a14="http://schemas.microsoft.com/office/drawing/2010/main" xmlns="" w="9525">
                   <a:solidFill>
                     <a:srgbClr val="000000"/>
                   </a:solidFill>
@@ -592,7 +592,7 @@
             </a:ln>
             <a:extLst>
               <a:ext uri="{91240B29-F687-4f45-9708-019B960494DF}">
-                <a14:hiddenLine xmlns="" xmlns:a14="http://schemas.microsoft.com/office/drawing/2010/main" w="9525">
+                <a14:hiddenLine xmlns:a14="http://schemas.microsoft.com/office/drawing/2010/main" xmlns="" w="9525">
                   <a:solidFill>
                     <a:srgbClr val="000000"/>
                   </a:solidFill>
@@ -654,7 +654,7 @@
             </a:ln>
             <a:extLst>
               <a:ext uri="{91240B29-F687-4f45-9708-019B960494DF}">
-                <a14:hiddenLine xmlns="" xmlns:a14="http://schemas.microsoft.com/office/drawing/2010/main" w="9525">
+                <a14:hiddenLine xmlns:a14="http://schemas.microsoft.com/office/drawing/2010/main" xmlns="" w="9525">
                   <a:solidFill>
                     <a:srgbClr val="000000"/>
                   </a:solidFill>
@@ -744,7 +744,7 @@
             </a:ln>
             <a:extLst>
               <a:ext uri="{91240B29-F687-4f45-9708-019B960494DF}">
-                <a14:hiddenLine xmlns="" xmlns:a14="http://schemas.microsoft.com/office/drawing/2010/main" w="9525">
+                <a14:hiddenLine xmlns:a14="http://schemas.microsoft.com/office/drawing/2010/main" xmlns="" w="9525">
                   <a:solidFill>
                     <a:srgbClr val="000000"/>
                   </a:solidFill>
@@ -806,7 +806,7 @@
             </a:ln>
             <a:extLst>
               <a:ext uri="{91240B29-F687-4f45-9708-019B960494DF}">
-                <a14:hiddenLine xmlns="" xmlns:a14="http://schemas.microsoft.com/office/drawing/2010/main" w="9525">
+                <a14:hiddenLine xmlns:a14="http://schemas.microsoft.com/office/drawing/2010/main" xmlns="" w="9525">
                   <a:solidFill>
                     <a:srgbClr val="000000"/>
                   </a:solidFill>
@@ -868,7 +868,7 @@
             </a:ln>
             <a:extLst>
               <a:ext uri="{91240B29-F687-4f45-9708-019B960494DF}">
-                <a14:hiddenLine xmlns="" xmlns:a14="http://schemas.microsoft.com/office/drawing/2010/main" w="9525">
+                <a14:hiddenLine xmlns:a14="http://schemas.microsoft.com/office/drawing/2010/main" xmlns="" w="9525">
                   <a:solidFill>
                     <a:srgbClr val="000000"/>
                   </a:solidFill>
@@ -958,7 +958,7 @@
             </a:ln>
             <a:extLst>
               <a:ext uri="{91240B29-F687-4f45-9708-019B960494DF}">
-                <a14:hiddenLine xmlns="" xmlns:a14="http://schemas.microsoft.com/office/drawing/2010/main" w="9525">
+                <a14:hiddenLine xmlns:a14="http://schemas.microsoft.com/office/drawing/2010/main" xmlns="" w="9525">
                   <a:solidFill>
                     <a:srgbClr val="000000"/>
                   </a:solidFill>
@@ -1048,7 +1048,7 @@
             </a:ln>
             <a:extLst>
               <a:ext uri="{91240B29-F687-4f45-9708-019B960494DF}">
-                <a14:hiddenLine xmlns="" xmlns:a14="http://schemas.microsoft.com/office/drawing/2010/main" w="9525">
+                <a14:hiddenLine xmlns:a14="http://schemas.microsoft.com/office/drawing/2010/main" xmlns="" w="9525">
                   <a:solidFill>
                     <a:srgbClr val="000000"/>
                   </a:solidFill>
@@ -1110,7 +1110,7 @@
             </a:ln>
             <a:extLst>
               <a:ext uri="{91240B29-F687-4f45-9708-019B960494DF}">
-                <a14:hiddenLine xmlns="" xmlns:a14="http://schemas.microsoft.com/office/drawing/2010/main" w="9525">
+                <a14:hiddenLine xmlns:a14="http://schemas.microsoft.com/office/drawing/2010/main" xmlns="" w="9525">
                   <a:solidFill>
                     <a:srgbClr val="000000"/>
                   </a:solidFill>
@@ -1220,7 +1220,7 @@
             </a:ln>
             <a:extLst>
               <a:ext uri="{91240B29-F687-4f45-9708-019B960494DF}">
-                <a14:hiddenLine xmlns="" xmlns:a14="http://schemas.microsoft.com/office/drawing/2010/main" w="9525">
+                <a14:hiddenLine xmlns:a14="http://schemas.microsoft.com/office/drawing/2010/main" xmlns="" w="9525">
                   <a:solidFill>
                     <a:srgbClr val="000000"/>
                   </a:solidFill>
@@ -1282,7 +1282,7 @@
             </a:ln>
             <a:extLst>
               <a:ext uri="{91240B29-F687-4f45-9708-019B960494DF}">
-                <a14:hiddenLine xmlns="" xmlns:a14="http://schemas.microsoft.com/office/drawing/2010/main" w="9525">
+                <a14:hiddenLine xmlns:a14="http://schemas.microsoft.com/office/drawing/2010/main" xmlns="" w="9525">
                   <a:solidFill>
                     <a:srgbClr val="000000"/>
                   </a:solidFill>
@@ -1372,7 +1372,7 @@
             </a:ln>
             <a:extLst>
               <a:ext uri="{91240B29-F687-4f45-9708-019B960494DF}">
-                <a14:hiddenLine xmlns="" xmlns:a14="http://schemas.microsoft.com/office/drawing/2010/main" w="9525">
+                <a14:hiddenLine xmlns:a14="http://schemas.microsoft.com/office/drawing/2010/main" xmlns="" w="9525">
                   <a:solidFill>
                     <a:srgbClr val="000000"/>
                   </a:solidFill>
@@ -1462,7 +1462,7 @@
             </a:ln>
             <a:extLst>
               <a:ext uri="{91240B29-F687-4f45-9708-019B960494DF}">
-                <a14:hiddenLine xmlns="" xmlns:a14="http://schemas.microsoft.com/office/drawing/2010/main" w="9525">
+                <a14:hiddenLine xmlns:a14="http://schemas.microsoft.com/office/drawing/2010/main" xmlns="" w="9525">
                   <a:solidFill>
                     <a:srgbClr val="000000"/>
                   </a:solidFill>
@@ -1524,7 +1524,7 @@
             </a:ln>
             <a:extLst>
               <a:ext uri="{91240B29-F687-4f45-9708-019B960494DF}">
-                <a14:hiddenLine xmlns="" xmlns:a14="http://schemas.microsoft.com/office/drawing/2010/main" w="9525">
+                <a14:hiddenLine xmlns:a14="http://schemas.microsoft.com/office/drawing/2010/main" xmlns="" w="9525">
                   <a:solidFill>
                     <a:srgbClr val="000000"/>
                   </a:solidFill>
@@ -1614,7 +1614,7 @@
             </a:ln>
             <a:extLst>
               <a:ext uri="{91240B29-F687-4f45-9708-019B960494DF}">
-                <a14:hiddenLine xmlns="" xmlns:a14="http://schemas.microsoft.com/office/drawing/2010/main" w="9525">
+                <a14:hiddenLine xmlns:a14="http://schemas.microsoft.com/office/drawing/2010/main" xmlns="" w="9525">
                   <a:solidFill>
                     <a:srgbClr val="000000"/>
                   </a:solidFill>
@@ -1704,7 +1704,7 @@
             </a:ln>
             <a:extLst>
               <a:ext uri="{91240B29-F687-4f45-9708-019B960494DF}">
-                <a14:hiddenLine xmlns="" xmlns:a14="http://schemas.microsoft.com/office/drawing/2010/main" w="9525">
+                <a14:hiddenLine xmlns:a14="http://schemas.microsoft.com/office/drawing/2010/main" xmlns="" w="9525">
                   <a:solidFill>
                     <a:srgbClr val="000000"/>
                   </a:solidFill>
@@ -1760,7 +1760,7 @@
             </a:ln>
             <a:extLst>
               <a:ext uri="{91240B29-F687-4f45-9708-019B960494DF}">
-                <a14:hiddenLine xmlns="" xmlns:a14="http://schemas.microsoft.com/office/drawing/2010/main" w="9525">
+                <a14:hiddenLine xmlns:a14="http://schemas.microsoft.com/office/drawing/2010/main" xmlns="" w="9525">
                   <a:solidFill>
                     <a:srgbClr val="000000"/>
                   </a:solidFill>
@@ -1850,7 +1850,7 @@
             </a:ln>
             <a:extLst>
               <a:ext uri="{91240B29-F687-4f45-9708-019B960494DF}">
-                <a14:hiddenLine xmlns="" xmlns:a14="http://schemas.microsoft.com/office/drawing/2010/main" w="9525">
+                <a14:hiddenLine xmlns:a14="http://schemas.microsoft.com/office/drawing/2010/main" xmlns="" w="9525">
                   <a:solidFill>
                     <a:srgbClr val="000000"/>
                   </a:solidFill>
@@ -1906,7 +1906,7 @@
             </a:ln>
             <a:extLst>
               <a:ext uri="{91240B29-F687-4f45-9708-019B960494DF}">
-                <a14:hiddenLine xmlns="" xmlns:a14="http://schemas.microsoft.com/office/drawing/2010/main" w="9525">
+                <a14:hiddenLine xmlns:a14="http://schemas.microsoft.com/office/drawing/2010/main" xmlns="" w="9525">
                   <a:solidFill>
                     <a:srgbClr val="000000"/>
                   </a:solidFill>
@@ -1996,7 +1996,7 @@
             </a:ln>
             <a:extLst>
               <a:ext uri="{91240B29-F687-4f45-9708-019B960494DF}">
-                <a14:hiddenLine xmlns="" xmlns:a14="http://schemas.microsoft.com/office/drawing/2010/main" w="9525">
+                <a14:hiddenLine xmlns:a14="http://schemas.microsoft.com/office/drawing/2010/main" xmlns="" w="9525">
                   <a:solidFill>
                     <a:srgbClr val="000000"/>
                   </a:solidFill>
@@ -2064,7 +2064,7 @@
             </a:ln>
             <a:extLst>
               <a:ext uri="{91240B29-F687-4f45-9708-019B960494DF}">
-                <a14:hiddenLine xmlns="" xmlns:a14="http://schemas.microsoft.com/office/drawing/2010/main" w="9525">
+                <a14:hiddenLine xmlns:a14="http://schemas.microsoft.com/office/drawing/2010/main" xmlns="" w="9525">
                   <a:solidFill>
                     <a:srgbClr val="000000"/>
                   </a:solidFill>
@@ -2154,7 +2154,7 @@
             </a:ln>
             <a:extLst>
               <a:ext uri="{91240B29-F687-4f45-9708-019B960494DF}">
-                <a14:hiddenLine xmlns="" xmlns:a14="http://schemas.microsoft.com/office/drawing/2010/main" w="9525">
+                <a14:hiddenLine xmlns:a14="http://schemas.microsoft.com/office/drawing/2010/main" xmlns="" w="9525">
                   <a:solidFill>
                     <a:srgbClr val="000000"/>
                   </a:solidFill>
@@ -2222,7 +2222,7 @@
             </a:ln>
             <a:extLst>
               <a:ext uri="{91240B29-F687-4f45-9708-019B960494DF}">
-                <a14:hiddenLine xmlns="" xmlns:a14="http://schemas.microsoft.com/office/drawing/2010/main" w="9525">
+                <a14:hiddenLine xmlns:a14="http://schemas.microsoft.com/office/drawing/2010/main" xmlns="" w="9525">
                   <a:solidFill>
                     <a:srgbClr val="000000"/>
                   </a:solidFill>
@@ -2312,7 +2312,7 @@
             </a:ln>
             <a:extLst>
               <a:ext uri="{91240B29-F687-4f45-9708-019B960494DF}">
-                <a14:hiddenLine xmlns="" xmlns:a14="http://schemas.microsoft.com/office/drawing/2010/main" w="9525">
+                <a14:hiddenLine xmlns:a14="http://schemas.microsoft.com/office/drawing/2010/main" xmlns="" w="9525">
                   <a:solidFill>
                     <a:srgbClr val="000000"/>
                   </a:solidFill>
@@ -2346,7 +2346,7 @@
             </a:ln>
             <a:extLst>
               <a:ext uri="{91240B29-F687-4f45-9708-019B960494DF}">
-                <a14:hiddenLine xmlns="" xmlns:a14="http://schemas.microsoft.com/office/drawing/2010/main" w="9525">
+                <a14:hiddenLine xmlns:a14="http://schemas.microsoft.com/office/drawing/2010/main" xmlns="" w="9525">
                   <a:solidFill>
                     <a:srgbClr val="000000"/>
                   </a:solidFill>
@@ -2436,7 +2436,7 @@
             </a:ln>
             <a:extLst>
               <a:ext uri="{91240B29-F687-4f45-9708-019B960494DF}">
-                <a14:hiddenLine xmlns="" xmlns:a14="http://schemas.microsoft.com/office/drawing/2010/main" w="9525">
+                <a14:hiddenLine xmlns:a14="http://schemas.microsoft.com/office/drawing/2010/main" xmlns="" w="9525">
                   <a:solidFill>
                     <a:srgbClr val="000000"/>
                   </a:solidFill>
@@ -2498,7 +2498,7 @@
             </a:ln>
             <a:extLst>
               <a:ext uri="{91240B29-F687-4f45-9708-019B960494DF}">
-                <a14:hiddenLine xmlns="" xmlns:a14="http://schemas.microsoft.com/office/drawing/2010/main" w="9525">
+                <a14:hiddenLine xmlns:a14="http://schemas.microsoft.com/office/drawing/2010/main" xmlns="" w="9525">
                   <a:solidFill>
                     <a:srgbClr val="000000"/>
                   </a:solidFill>
@@ -2560,7 +2560,7 @@
             </a:ln>
             <a:extLst>
               <a:ext uri="{91240B29-F687-4f45-9708-019B960494DF}">
-                <a14:hiddenLine xmlns="" xmlns:a14="http://schemas.microsoft.com/office/drawing/2010/main" w="9525">
+                <a14:hiddenLine xmlns:a14="http://schemas.microsoft.com/office/drawing/2010/main" xmlns="" w="9525">
                   <a:solidFill>
                     <a:srgbClr val="000000"/>
                   </a:solidFill>
@@ -2650,7 +2650,7 @@
             </a:ln>
             <a:extLst>
               <a:ext uri="{91240B29-F687-4f45-9708-019B960494DF}">
-                <a14:hiddenLine xmlns="" xmlns:a14="http://schemas.microsoft.com/office/drawing/2010/main" w="9525">
+                <a14:hiddenLine xmlns:a14="http://schemas.microsoft.com/office/drawing/2010/main" xmlns="" w="9525">
                   <a:solidFill>
                     <a:srgbClr val="000000"/>
                   </a:solidFill>
@@ -2718,7 +2718,7 @@
             </a:ln>
             <a:extLst>
               <a:ext uri="{91240B29-F687-4f45-9708-019B960494DF}">
-                <a14:hiddenLine xmlns="" xmlns:a14="http://schemas.microsoft.com/office/drawing/2010/main" w="9525">
+                <a14:hiddenLine xmlns:a14="http://schemas.microsoft.com/office/drawing/2010/main" xmlns="" w="9525">
                   <a:solidFill>
                     <a:srgbClr val="000000"/>
                   </a:solidFill>
@@ -2780,7 +2780,7 @@
             </a:ln>
             <a:extLst>
               <a:ext uri="{91240B29-F687-4f45-9708-019B960494DF}">
-                <a14:hiddenLine xmlns="" xmlns:a14="http://schemas.microsoft.com/office/drawing/2010/main" w="9525">
+                <a14:hiddenLine xmlns:a14="http://schemas.microsoft.com/office/drawing/2010/main" xmlns="" w="9525">
                   <a:solidFill>
                     <a:srgbClr val="000000"/>
                   </a:solidFill>
@@ -2870,7 +2870,7 @@
             </a:ln>
             <a:extLst>
               <a:ext uri="{91240B29-F687-4f45-9708-019B960494DF}">
-                <a14:hiddenLine xmlns="" xmlns:a14="http://schemas.microsoft.com/office/drawing/2010/main" w="9525">
+                <a14:hiddenLine xmlns:a14="http://schemas.microsoft.com/office/drawing/2010/main" xmlns="" w="9525">
                   <a:solidFill>
                     <a:srgbClr val="000000"/>
                   </a:solidFill>
@@ -2932,7 +2932,7 @@
             </a:ln>
             <a:extLst>
               <a:ext uri="{91240B29-F687-4f45-9708-019B960494DF}">
-                <a14:hiddenLine xmlns="" xmlns:a14="http://schemas.microsoft.com/office/drawing/2010/main" w="9525">
+                <a14:hiddenLine xmlns:a14="http://schemas.microsoft.com/office/drawing/2010/main" xmlns="" w="9525">
                   <a:solidFill>
                     <a:srgbClr val="000000"/>
                   </a:solidFill>
@@ -3022,7 +3022,7 @@
             </a:ln>
             <a:extLst>
               <a:ext uri="{91240B29-F687-4f45-9708-019B960494DF}">
-                <a14:hiddenLine xmlns="" xmlns:a14="http://schemas.microsoft.com/office/drawing/2010/main" w="9525">
+                <a14:hiddenLine xmlns:a14="http://schemas.microsoft.com/office/drawing/2010/main" xmlns="" w="9525">
                   <a:solidFill>
                     <a:srgbClr val="000000"/>
                   </a:solidFill>
@@ -3084,7 +3084,7 @@
             </a:ln>
             <a:extLst>
               <a:ext uri="{91240B29-F687-4f45-9708-019B960494DF}">
-                <a14:hiddenLine xmlns="" xmlns:a14="http://schemas.microsoft.com/office/drawing/2010/main" w="9525">
+                <a14:hiddenLine xmlns:a14="http://schemas.microsoft.com/office/drawing/2010/main" xmlns="" w="9525">
                   <a:solidFill>
                     <a:srgbClr val="000000"/>
                   </a:solidFill>
@@ -3174,7 +3174,7 @@
             </a:ln>
             <a:extLst>
               <a:ext uri="{91240B29-F687-4f45-9708-019B960494DF}">
-                <a14:hiddenLine xmlns="" xmlns:a14="http://schemas.microsoft.com/office/drawing/2010/main" w="9525">
+                <a14:hiddenLine xmlns:a14="http://schemas.microsoft.com/office/drawing/2010/main" xmlns="" w="9525">
                   <a:solidFill>
                     <a:srgbClr val="000000"/>
                   </a:solidFill>
@@ -3208,7 +3208,7 @@
             </a:ln>
             <a:extLst>
               <a:ext uri="{91240B29-F687-4f45-9708-019B960494DF}">
-                <a14:hiddenLine xmlns="" xmlns:a14="http://schemas.microsoft.com/office/drawing/2010/main" w="9525">
+                <a14:hiddenLine xmlns:a14="http://schemas.microsoft.com/office/drawing/2010/main" xmlns="" w="9525">
                   <a:solidFill>
                     <a:srgbClr val="000000"/>
                   </a:solidFill>
@@ -3273,7 +3273,7 @@
             </a:ln>
             <a:extLst>
               <a:ext uri="{91240B29-F687-4f45-9708-019B960494DF}">
-                <a14:hiddenLine xmlns="" xmlns:a14="http://schemas.microsoft.com/office/drawing/2010/main" w="9525">
+                <a14:hiddenLine xmlns:a14="http://schemas.microsoft.com/office/drawing/2010/main" xmlns="" w="9525">
                   <a:solidFill>
                     <a:srgbClr val="000000"/>
                   </a:solidFill>
@@ -3363,7 +3363,7 @@
             </a:ln>
             <a:extLst>
               <a:ext uri="{91240B29-F687-4f45-9708-019B960494DF}">
-                <a14:hiddenLine xmlns="" xmlns:a14="http://schemas.microsoft.com/office/drawing/2010/main" w="9525">
+                <a14:hiddenLine xmlns:a14="http://schemas.microsoft.com/office/drawing/2010/main" xmlns="" w="9525">
                   <a:solidFill>
                     <a:srgbClr val="000000"/>
                   </a:solidFill>
@@ -3425,7 +3425,7 @@
             </a:ln>
             <a:extLst>
               <a:ext uri="{91240B29-F687-4f45-9708-019B960494DF}">
-                <a14:hiddenLine xmlns="" xmlns:a14="http://schemas.microsoft.com/office/drawing/2010/main" w="9525">
+                <a14:hiddenLine xmlns:a14="http://schemas.microsoft.com/office/drawing/2010/main" xmlns="" w="9525">
                   <a:solidFill>
                     <a:srgbClr val="000000"/>
                   </a:solidFill>
@@ -3515,7 +3515,7 @@
             </a:ln>
             <a:extLst>
               <a:ext uri="{91240B29-F687-4f45-9708-019B960494DF}">
-                <a14:hiddenLine xmlns="" xmlns:a14="http://schemas.microsoft.com/office/drawing/2010/main" w="9525">
+                <a14:hiddenLine xmlns:a14="http://schemas.microsoft.com/office/drawing/2010/main" xmlns="" w="9525">
                   <a:solidFill>
                     <a:srgbClr val="000000"/>
                   </a:solidFill>
@@ -3605,7 +3605,7 @@
             </a:ln>
             <a:extLst>
               <a:ext uri="{91240B29-F687-4f45-9708-019B960494DF}">
-                <a14:hiddenLine xmlns="" xmlns:a14="http://schemas.microsoft.com/office/drawing/2010/main" w="9525">
+                <a14:hiddenLine xmlns:a14="http://schemas.microsoft.com/office/drawing/2010/main" xmlns="" w="9525">
                   <a:solidFill>
                     <a:srgbClr val="000000"/>
                   </a:solidFill>
@@ -3670,7 +3670,7 @@
             </a:ln>
             <a:extLst>
               <a:ext uri="{91240B29-F687-4f45-9708-019B960494DF}">
-                <a14:hiddenLine xmlns="" xmlns:a14="http://schemas.microsoft.com/office/drawing/2010/main" w="9525">
+                <a14:hiddenLine xmlns:a14="http://schemas.microsoft.com/office/drawing/2010/main" xmlns="" w="9525">
                   <a:solidFill>
                     <a:srgbClr val="000000"/>
                   </a:solidFill>
@@ -3732,7 +3732,7 @@
             </a:ln>
             <a:extLst>
               <a:ext uri="{91240B29-F687-4f45-9708-019B960494DF}">
-                <a14:hiddenLine xmlns="" xmlns:a14="http://schemas.microsoft.com/office/drawing/2010/main" w="9525">
+                <a14:hiddenLine xmlns:a14="http://schemas.microsoft.com/office/drawing/2010/main" xmlns="" w="9525">
                   <a:solidFill>
                     <a:srgbClr val="000000"/>
                   </a:solidFill>
@@ -3822,7 +3822,7 @@
             </a:ln>
             <a:extLst>
               <a:ext uri="{91240B29-F687-4f45-9708-019B960494DF}">
-                <a14:hiddenLine xmlns="" xmlns:a14="http://schemas.microsoft.com/office/drawing/2010/main" w="9525">
+                <a14:hiddenLine xmlns:a14="http://schemas.microsoft.com/office/drawing/2010/main" xmlns="" w="9525">
                   <a:solidFill>
                     <a:srgbClr val="000000"/>
                   </a:solidFill>
@@ -3912,7 +3912,7 @@
             </a:ln>
             <a:extLst>
               <a:ext uri="{91240B29-F687-4f45-9708-019B960494DF}">
-                <a14:hiddenLine xmlns="" xmlns:a14="http://schemas.microsoft.com/office/drawing/2010/main" w="9525">
+                <a14:hiddenLine xmlns:a14="http://schemas.microsoft.com/office/drawing/2010/main" xmlns="" w="9525">
                   <a:solidFill>
                     <a:srgbClr val="000000"/>
                   </a:solidFill>
@@ -3974,7 +3974,7 @@
             </a:ln>
             <a:extLst>
               <a:ext uri="{91240B29-F687-4f45-9708-019B960494DF}">
-                <a14:hiddenLine xmlns="" xmlns:a14="http://schemas.microsoft.com/office/drawing/2010/main" w="9525">
+                <a14:hiddenLine xmlns:a14="http://schemas.microsoft.com/office/drawing/2010/main" xmlns="" w="9525">
                   <a:solidFill>
                     <a:srgbClr val="000000"/>
                   </a:solidFill>
@@ -4094,7 +4094,7 @@
             </a:ln>
             <a:extLst>
               <a:ext uri="{91240B29-F687-4f45-9708-019B960494DF}">
-                <a14:hiddenLine xmlns="" xmlns:a14="http://schemas.microsoft.com/office/drawing/2010/main" w="9525">
+                <a14:hiddenLine xmlns:a14="http://schemas.microsoft.com/office/drawing/2010/main" xmlns="" w="9525">
                   <a:solidFill>
                     <a:srgbClr val="000000"/>
                   </a:solidFill>
@@ -4162,7 +4162,7 @@
             </a:ln>
             <a:extLst>
               <a:ext uri="{91240B29-F687-4f45-9708-019B960494DF}">
-                <a14:hiddenLine xmlns="" xmlns:a14="http://schemas.microsoft.com/office/drawing/2010/main" w="9525">
+                <a14:hiddenLine xmlns:a14="http://schemas.microsoft.com/office/drawing/2010/main" xmlns="" w="9525">
                   <a:solidFill>
                     <a:srgbClr val="000000"/>
                   </a:solidFill>
@@ -4252,7 +4252,7 @@
             </a:ln>
             <a:extLst>
               <a:ext uri="{91240B29-F687-4f45-9708-019B960494DF}">
-                <a14:hiddenLine xmlns="" xmlns:a14="http://schemas.microsoft.com/office/drawing/2010/main" w="9525">
+                <a14:hiddenLine xmlns:a14="http://schemas.microsoft.com/office/drawing/2010/main" xmlns="" w="9525">
                   <a:solidFill>
                     <a:srgbClr val="000000"/>
                   </a:solidFill>
@@ -4392,7 +4392,7 @@
           <a:p>
             <a:fld id="{4AF8082C-0922-4249-A612-B415F5231620}" type="datetime1">
               <a:rPr lang="en-US" smtClean="0"/>
-              <a:t>2/21/2021</a:t>
+              <a:t>2/22/2021</a:t>
             </a:fld>
             <a:endParaRPr lang="en-US" dirty="0"/>
           </a:p>
@@ -4661,7 +4661,7 @@
           <a:p>
             <a:fld id="{4AF8082C-0922-4249-A612-B415F5231620}" type="datetime1">
               <a:rPr lang="en-US" smtClean="0"/>
-              <a:t>2/21/2021</a:t>
+              <a:t>2/22/2021</a:t>
             </a:fld>
             <a:endParaRPr lang="en-US" dirty="0"/>
           </a:p>
@@ -4859,7 +4859,7 @@
           <a:p>
             <a:fld id="{4AF8082C-0922-4249-A612-B415F5231620}" type="datetime1">
               <a:rPr lang="en-US" smtClean="0"/>
-              <a:t>2/21/2021</a:t>
+              <a:t>2/22/2021</a:t>
             </a:fld>
             <a:endParaRPr lang="en-US" dirty="0"/>
           </a:p>
@@ -5124,7 +5124,7 @@
           <a:p>
             <a:fld id="{4AF8082C-0922-4249-A612-B415F5231620}" type="datetime1">
               <a:rPr lang="en-US" smtClean="0"/>
-              <a:t>2/21/2021</a:t>
+              <a:t>2/22/2021</a:t>
             </a:fld>
             <a:endParaRPr lang="en-US" dirty="0"/>
           </a:p>
@@ -5560,7 +5560,7 @@
           <a:p>
             <a:fld id="{4AF8082C-0922-4249-A612-B415F5231620}" type="datetime1">
               <a:rPr lang="en-US" smtClean="0"/>
-              <a:t>2/21/2021</a:t>
+              <a:t>2/22/2021</a:t>
             </a:fld>
             <a:endParaRPr lang="en-US" dirty="0"/>
           </a:p>
@@ -6108,7 +6108,7 @@
           <a:p>
             <a:fld id="{4AF8082C-0922-4249-A612-B415F5231620}" type="datetime1">
               <a:rPr lang="en-US" smtClean="0"/>
-              <a:t>2/21/2021</a:t>
+              <a:t>2/22/2021</a:t>
             </a:fld>
             <a:endParaRPr lang="en-US" dirty="0"/>
           </a:p>
@@ -6830,7 +6830,7 @@
           <a:p>
             <a:fld id="{4AF8082C-0922-4249-A612-B415F5231620}" type="datetime1">
               <a:rPr lang="en-US" smtClean="0"/>
-              <a:t>2/21/2021</a:t>
+              <a:t>2/22/2021</a:t>
             </a:fld>
             <a:endParaRPr lang="en-US" dirty="0"/>
           </a:p>
@@ -7002,7 +7002,7 @@
           <a:p>
             <a:fld id="{4AF8082C-0922-4249-A612-B415F5231620}" type="datetime1">
               <a:rPr lang="en-US" smtClean="0"/>
-              <a:t>2/21/2021</a:t>
+              <a:t>2/22/2021</a:t>
             </a:fld>
             <a:endParaRPr lang="en-US" dirty="0"/>
           </a:p>
@@ -7184,7 +7184,7 @@
           <a:p>
             <a:fld id="{4AF8082C-0922-4249-A612-B415F5231620}" type="datetime1">
               <a:rPr lang="en-US" smtClean="0"/>
-              <a:t>2/21/2021</a:t>
+              <a:t>2/22/2021</a:t>
             </a:fld>
             <a:endParaRPr lang="en-US" dirty="0"/>
           </a:p>
@@ -7356,7 +7356,7 @@
           <a:p>
             <a:fld id="{4AF8082C-0922-4249-A612-B415F5231620}" type="datetime1">
               <a:rPr lang="en-US" smtClean="0"/>
-              <a:t>2/21/2021</a:t>
+              <a:t>2/22/2021</a:t>
             </a:fld>
             <a:endParaRPr lang="en-US" dirty="0"/>
           </a:p>
@@ -7608,7 +7608,7 @@
           <a:p>
             <a:fld id="{4AF8082C-0922-4249-A612-B415F5231620}" type="datetime1">
               <a:rPr lang="en-US" smtClean="0"/>
-              <a:t>2/21/2021</a:t>
+              <a:t>2/22/2021</a:t>
             </a:fld>
             <a:endParaRPr lang="en-US" dirty="0"/>
           </a:p>
@@ -7842,7 +7842,7 @@
           <a:p>
             <a:fld id="{4AF8082C-0922-4249-A612-B415F5231620}" type="datetime1">
               <a:rPr lang="en-US" smtClean="0"/>
-              <a:t>2/21/2021</a:t>
+              <a:t>2/22/2021</a:t>
             </a:fld>
             <a:endParaRPr lang="en-US" dirty="0"/>
           </a:p>
@@ -8225,7 +8225,7 @@
           <a:p>
             <a:fld id="{4AF8082C-0922-4249-A612-B415F5231620}" type="datetime1">
               <a:rPr lang="en-US" smtClean="0"/>
-              <a:t>2/21/2021</a:t>
+              <a:t>2/22/2021</a:t>
             </a:fld>
             <a:endParaRPr lang="en-US" dirty="0"/>
           </a:p>
@@ -8345,7 +8345,7 @@
           <a:p>
             <a:fld id="{4AF8082C-0922-4249-A612-B415F5231620}" type="datetime1">
               <a:rPr lang="en-US" smtClean="0"/>
-              <a:t>2/21/2021</a:t>
+              <a:t>2/22/2021</a:t>
             </a:fld>
             <a:endParaRPr lang="en-US" dirty="0"/>
           </a:p>
@@ -8442,7 +8442,7 @@
           <a:p>
             <a:fld id="{4AF8082C-0922-4249-A612-B415F5231620}" type="datetime1">
               <a:rPr lang="en-US" smtClean="0"/>
-              <a:t>2/21/2021</a:t>
+              <a:t>2/22/2021</a:t>
             </a:fld>
             <a:endParaRPr lang="en-US" dirty="0"/>
           </a:p>
@@ -8693,7 +8693,7 @@
           <a:p>
             <a:fld id="{4AF8082C-0922-4249-A612-B415F5231620}" type="datetime1">
               <a:rPr lang="en-US" smtClean="0"/>
-              <a:t>2/21/2021</a:t>
+              <a:t>2/22/2021</a:t>
             </a:fld>
             <a:endParaRPr lang="en-US" dirty="0"/>
           </a:p>
@@ -8975,7 +8975,7 @@
           <a:p>
             <a:fld id="{4AF8082C-0922-4249-A612-B415F5231620}" type="datetime1">
               <a:rPr lang="en-US" smtClean="0"/>
-              <a:t>2/21/2021</a:t>
+              <a:t>2/22/2021</a:t>
             </a:fld>
             <a:endParaRPr lang="en-US" dirty="0"/>
           </a:p>
@@ -9093,7 +9093,7 @@
           <a:noFill/>
           <a:extLst>
             <a:ext uri="{909E8E84-426E-40dd-AFC4-6F175D3DCCD1}">
-              <a14:hiddenFill xmlns="" xmlns:a14="http://schemas.microsoft.com/office/drawing/2010/main">
+              <a14:hiddenFill xmlns:a14="http://schemas.microsoft.com/office/drawing/2010/main" xmlns="">
                 <a:solidFill>
                   <a:srgbClr val="FFFFFF"/>
                 </a:solidFill>
@@ -9167,7 +9167,7 @@
               </a:ln>
               <a:extLst>
                 <a:ext uri="{91240B29-F687-4f45-9708-019B960494DF}">
-                  <a14:hiddenLine xmlns="" xmlns:a14="http://schemas.microsoft.com/office/drawing/2010/main" w="9525">
+                  <a14:hiddenLine xmlns:a14="http://schemas.microsoft.com/office/drawing/2010/main" xmlns="" w="9525">
                     <a:solidFill>
                       <a:srgbClr val="000000"/>
                     </a:solidFill>
@@ -9257,7 +9257,7 @@
               </a:ln>
               <a:extLst>
                 <a:ext uri="{91240B29-F687-4f45-9708-019B960494DF}">
-                  <a14:hiddenLine xmlns="" xmlns:a14="http://schemas.microsoft.com/office/drawing/2010/main" w="9525">
+                  <a14:hiddenLine xmlns:a14="http://schemas.microsoft.com/office/drawing/2010/main" xmlns="" w="9525">
                     <a:solidFill>
                       <a:srgbClr val="000000"/>
                     </a:solidFill>
@@ -9347,7 +9347,7 @@
               </a:ln>
               <a:extLst>
                 <a:ext uri="{91240B29-F687-4f45-9708-019B960494DF}">
-                  <a14:hiddenLine xmlns="" xmlns:a14="http://schemas.microsoft.com/office/drawing/2010/main" w="9525">
+                  <a14:hiddenLine xmlns:a14="http://schemas.microsoft.com/office/drawing/2010/main" xmlns="" w="9525">
                     <a:solidFill>
                       <a:srgbClr val="000000"/>
                     </a:solidFill>
@@ -9409,7 +9409,7 @@
               </a:ln>
               <a:extLst>
                 <a:ext uri="{91240B29-F687-4f45-9708-019B960494DF}">
-                  <a14:hiddenLine xmlns="" xmlns:a14="http://schemas.microsoft.com/office/drawing/2010/main" w="9525">
+                  <a14:hiddenLine xmlns:a14="http://schemas.microsoft.com/office/drawing/2010/main" xmlns="" w="9525">
                     <a:solidFill>
                       <a:srgbClr val="000000"/>
                     </a:solidFill>
@@ -9499,7 +9499,7 @@
               </a:ln>
               <a:extLst>
                 <a:ext uri="{91240B29-F687-4f45-9708-019B960494DF}">
-                  <a14:hiddenLine xmlns="" xmlns:a14="http://schemas.microsoft.com/office/drawing/2010/main" w="9525">
+                  <a14:hiddenLine xmlns:a14="http://schemas.microsoft.com/office/drawing/2010/main" xmlns="" w="9525">
                     <a:solidFill>
                       <a:srgbClr val="000000"/>
                     </a:solidFill>
@@ -9561,7 +9561,7 @@
               </a:ln>
               <a:extLst>
                 <a:ext uri="{91240B29-F687-4f45-9708-019B960494DF}">
-                  <a14:hiddenLine xmlns="" xmlns:a14="http://schemas.microsoft.com/office/drawing/2010/main" w="9525">
+                  <a14:hiddenLine xmlns:a14="http://schemas.microsoft.com/office/drawing/2010/main" xmlns="" w="9525">
                     <a:solidFill>
                       <a:srgbClr val="000000"/>
                     </a:solidFill>
@@ -9623,7 +9623,7 @@
               </a:ln>
               <a:extLst>
                 <a:ext uri="{91240B29-F687-4f45-9708-019B960494DF}">
-                  <a14:hiddenLine xmlns="" xmlns:a14="http://schemas.microsoft.com/office/drawing/2010/main" w="9525">
+                  <a14:hiddenLine xmlns:a14="http://schemas.microsoft.com/office/drawing/2010/main" xmlns="" w="9525">
                     <a:solidFill>
                       <a:srgbClr val="000000"/>
                     </a:solidFill>
@@ -9713,7 +9713,7 @@
               </a:ln>
               <a:extLst>
                 <a:ext uri="{91240B29-F687-4f45-9708-019B960494DF}">
-                  <a14:hiddenLine xmlns="" xmlns:a14="http://schemas.microsoft.com/office/drawing/2010/main" w="9525">
+                  <a14:hiddenLine xmlns:a14="http://schemas.microsoft.com/office/drawing/2010/main" xmlns="" w="9525">
                     <a:solidFill>
                       <a:srgbClr val="000000"/>
                     </a:solidFill>
@@ -9803,7 +9803,7 @@
               </a:ln>
               <a:extLst>
                 <a:ext uri="{91240B29-F687-4f45-9708-019B960494DF}">
-                  <a14:hiddenLine xmlns="" xmlns:a14="http://schemas.microsoft.com/office/drawing/2010/main" w="9525">
+                  <a14:hiddenLine xmlns:a14="http://schemas.microsoft.com/office/drawing/2010/main" xmlns="" w="9525">
                     <a:solidFill>
                       <a:srgbClr val="000000"/>
                     </a:solidFill>
@@ -9865,7 +9865,7 @@
               </a:ln>
               <a:extLst>
                 <a:ext uri="{91240B29-F687-4f45-9708-019B960494DF}">
-                  <a14:hiddenLine xmlns="" xmlns:a14="http://schemas.microsoft.com/office/drawing/2010/main" w="9525">
+                  <a14:hiddenLine xmlns:a14="http://schemas.microsoft.com/office/drawing/2010/main" xmlns="" w="9525">
                     <a:solidFill>
                       <a:srgbClr val="000000"/>
                     </a:solidFill>
@@ -9975,7 +9975,7 @@
               </a:ln>
               <a:extLst>
                 <a:ext uri="{91240B29-F687-4f45-9708-019B960494DF}">
-                  <a14:hiddenLine xmlns="" xmlns:a14="http://schemas.microsoft.com/office/drawing/2010/main" w="9525">
+                  <a14:hiddenLine xmlns:a14="http://schemas.microsoft.com/office/drawing/2010/main" xmlns="" w="9525">
                     <a:solidFill>
                       <a:srgbClr val="000000"/>
                     </a:solidFill>
@@ -10059,7 +10059,7 @@
               </a:ln>
               <a:extLst>
                 <a:ext uri="{91240B29-F687-4f45-9708-019B960494DF}">
-                  <a14:hiddenLine xmlns="" xmlns:a14="http://schemas.microsoft.com/office/drawing/2010/main" w="9525">
+                  <a14:hiddenLine xmlns:a14="http://schemas.microsoft.com/office/drawing/2010/main" xmlns="" w="9525">
                     <a:solidFill>
                       <a:srgbClr val="000000"/>
                     </a:solidFill>
@@ -10121,7 +10121,7 @@
               </a:ln>
               <a:extLst>
                 <a:ext uri="{91240B29-F687-4f45-9708-019B960494DF}">
-                  <a14:hiddenLine xmlns="" xmlns:a14="http://schemas.microsoft.com/office/drawing/2010/main" w="9525">
+                  <a14:hiddenLine xmlns:a14="http://schemas.microsoft.com/office/drawing/2010/main" xmlns="" w="9525">
                     <a:solidFill>
                       <a:srgbClr val="000000"/>
                     </a:solidFill>
@@ -10183,7 +10183,7 @@
               </a:ln>
               <a:extLst>
                 <a:ext uri="{91240B29-F687-4f45-9708-019B960494DF}">
-                  <a14:hiddenLine xmlns="" xmlns:a14="http://schemas.microsoft.com/office/drawing/2010/main" w="9525">
+                  <a14:hiddenLine xmlns:a14="http://schemas.microsoft.com/office/drawing/2010/main" xmlns="" w="9525">
                     <a:solidFill>
                       <a:srgbClr val="000000"/>
                     </a:solidFill>
@@ -10273,7 +10273,7 @@
               </a:ln>
               <a:extLst>
                 <a:ext uri="{91240B29-F687-4f45-9708-019B960494DF}">
-                  <a14:hiddenLine xmlns="" xmlns:a14="http://schemas.microsoft.com/office/drawing/2010/main" w="9525">
+                  <a14:hiddenLine xmlns:a14="http://schemas.microsoft.com/office/drawing/2010/main" xmlns="" w="9525">
                     <a:solidFill>
                       <a:srgbClr val="000000"/>
                     </a:solidFill>
@@ -10307,7 +10307,7 @@
               </a:ln>
               <a:extLst>
                 <a:ext uri="{91240B29-F687-4f45-9708-019B960494DF}">
-                  <a14:hiddenLine xmlns="" xmlns:a14="http://schemas.microsoft.com/office/drawing/2010/main" w="9525">
+                  <a14:hiddenLine xmlns:a14="http://schemas.microsoft.com/office/drawing/2010/main" xmlns="" w="9525">
                     <a:solidFill>
                       <a:srgbClr val="000000"/>
                     </a:solidFill>
@@ -10372,7 +10372,7 @@
               </a:ln>
               <a:extLst>
                 <a:ext uri="{91240B29-F687-4f45-9708-019B960494DF}">
-                  <a14:hiddenLine xmlns="" xmlns:a14="http://schemas.microsoft.com/office/drawing/2010/main" w="9525">
+                  <a14:hiddenLine xmlns:a14="http://schemas.microsoft.com/office/drawing/2010/main" xmlns="" w="9525">
                     <a:solidFill>
                       <a:srgbClr val="000000"/>
                     </a:solidFill>
@@ -10462,7 +10462,7 @@
               </a:ln>
               <a:extLst>
                 <a:ext uri="{91240B29-F687-4f45-9708-019B960494DF}">
-                  <a14:hiddenLine xmlns="" xmlns:a14="http://schemas.microsoft.com/office/drawing/2010/main" w="9525">
+                  <a14:hiddenLine xmlns:a14="http://schemas.microsoft.com/office/drawing/2010/main" xmlns="" w="9525">
                     <a:solidFill>
                       <a:srgbClr val="000000"/>
                     </a:solidFill>
@@ -10524,7 +10524,7 @@
               </a:ln>
               <a:extLst>
                 <a:ext uri="{91240B29-F687-4f45-9708-019B960494DF}">
-                  <a14:hiddenLine xmlns="" xmlns:a14="http://schemas.microsoft.com/office/drawing/2010/main" w="9525">
+                  <a14:hiddenLine xmlns:a14="http://schemas.microsoft.com/office/drawing/2010/main" xmlns="" w="9525">
                     <a:solidFill>
                       <a:srgbClr val="000000"/>
                     </a:solidFill>
@@ -10614,7 +10614,7 @@
               </a:ln>
               <a:extLst>
                 <a:ext uri="{91240B29-F687-4f45-9708-019B960494DF}">
-                  <a14:hiddenLine xmlns="" xmlns:a14="http://schemas.microsoft.com/office/drawing/2010/main" w="9525">
+                  <a14:hiddenLine xmlns:a14="http://schemas.microsoft.com/office/drawing/2010/main" xmlns="" w="9525">
                     <a:solidFill>
                       <a:srgbClr val="000000"/>
                     </a:solidFill>
@@ -10679,7 +10679,7 @@
               </a:ln>
               <a:extLst>
                 <a:ext uri="{91240B29-F687-4f45-9708-019B960494DF}">
-                  <a14:hiddenLine xmlns="" xmlns:a14="http://schemas.microsoft.com/office/drawing/2010/main" w="9525">
+                  <a14:hiddenLine xmlns:a14="http://schemas.microsoft.com/office/drawing/2010/main" xmlns="" w="9525">
                     <a:solidFill>
                       <a:srgbClr val="000000"/>
                     </a:solidFill>
@@ -10741,7 +10741,7 @@
               </a:ln>
               <a:extLst>
                 <a:ext uri="{91240B29-F687-4f45-9708-019B960494DF}">
-                  <a14:hiddenLine xmlns="" xmlns:a14="http://schemas.microsoft.com/office/drawing/2010/main" w="9525">
+                  <a14:hiddenLine xmlns:a14="http://schemas.microsoft.com/office/drawing/2010/main" xmlns="" w="9525">
                     <a:solidFill>
                       <a:srgbClr val="000000"/>
                     </a:solidFill>
@@ -10831,7 +10831,7 @@
               </a:ln>
               <a:extLst>
                 <a:ext uri="{91240B29-F687-4f45-9708-019B960494DF}">
-                  <a14:hiddenLine xmlns="" xmlns:a14="http://schemas.microsoft.com/office/drawing/2010/main" w="9525">
+                  <a14:hiddenLine xmlns:a14="http://schemas.microsoft.com/office/drawing/2010/main" xmlns="" w="9525">
                     <a:solidFill>
                       <a:srgbClr val="000000"/>
                     </a:solidFill>
@@ -10921,7 +10921,7 @@
               </a:ln>
               <a:extLst>
                 <a:ext uri="{91240B29-F687-4f45-9708-019B960494DF}">
-                  <a14:hiddenLine xmlns="" xmlns:a14="http://schemas.microsoft.com/office/drawing/2010/main" w="9525">
+                  <a14:hiddenLine xmlns:a14="http://schemas.microsoft.com/office/drawing/2010/main" xmlns="" w="9525">
                     <a:solidFill>
                       <a:srgbClr val="000000"/>
                     </a:solidFill>
@@ -10986,7 +10986,7 @@
               </a:ln>
               <a:extLst>
                 <a:ext uri="{91240B29-F687-4f45-9708-019B960494DF}">
-                  <a14:hiddenLine xmlns="" xmlns:a14="http://schemas.microsoft.com/office/drawing/2010/main" w="9525">
+                  <a14:hiddenLine xmlns:a14="http://schemas.microsoft.com/office/drawing/2010/main" xmlns="" w="9525">
                     <a:solidFill>
                       <a:srgbClr val="000000"/>
                     </a:solidFill>
@@ -11106,7 +11106,7 @@
               </a:ln>
               <a:extLst>
                 <a:ext uri="{91240B29-F687-4f45-9708-019B960494DF}">
-                  <a14:hiddenLine xmlns="" xmlns:a14="http://schemas.microsoft.com/office/drawing/2010/main" w="9525">
+                  <a14:hiddenLine xmlns:a14="http://schemas.microsoft.com/office/drawing/2010/main" xmlns="" w="9525">
                     <a:solidFill>
                       <a:srgbClr val="000000"/>
                     </a:solidFill>
@@ -11204,7 +11204,7 @@
               </a:ln>
               <a:extLst>
                 <a:ext uri="{91240B29-F687-4f45-9708-019B960494DF}">
-                  <a14:hiddenLine xmlns="" xmlns:a14="http://schemas.microsoft.com/office/drawing/2010/main" w="9525">
+                  <a14:hiddenLine xmlns:a14="http://schemas.microsoft.com/office/drawing/2010/main" xmlns="" w="9525">
                     <a:solidFill>
                       <a:srgbClr val="000000"/>
                     </a:solidFill>
@@ -11319,7 +11319,7 @@
               </a:ln>
               <a:extLst>
                 <a:ext uri="{91240B29-F687-4f45-9708-019B960494DF}">
-                  <a14:hiddenLine xmlns="" xmlns:a14="http://schemas.microsoft.com/office/drawing/2010/main" w="9525">
+                  <a14:hiddenLine xmlns:a14="http://schemas.microsoft.com/office/drawing/2010/main" xmlns="" w="9525">
                     <a:solidFill>
                       <a:srgbClr val="000000"/>
                     </a:solidFill>
@@ -11409,7 +11409,7 @@
               </a:ln>
               <a:extLst>
                 <a:ext uri="{91240B29-F687-4f45-9708-019B960494DF}">
-                  <a14:hiddenLine xmlns="" xmlns:a14="http://schemas.microsoft.com/office/drawing/2010/main" w="9525">
+                  <a14:hiddenLine xmlns:a14="http://schemas.microsoft.com/office/drawing/2010/main" xmlns="" w="9525">
                     <a:solidFill>
                       <a:srgbClr val="000000"/>
                     </a:solidFill>
@@ -11474,7 +11474,7 @@
               </a:ln>
               <a:extLst>
                 <a:ext uri="{91240B29-F687-4f45-9708-019B960494DF}">
-                  <a14:hiddenLine xmlns="" xmlns:a14="http://schemas.microsoft.com/office/drawing/2010/main" w="9525">
+                  <a14:hiddenLine xmlns:a14="http://schemas.microsoft.com/office/drawing/2010/main" xmlns="" w="9525">
                     <a:solidFill>
                       <a:srgbClr val="000000"/>
                     </a:solidFill>
@@ -11564,7 +11564,7 @@
               </a:ln>
               <a:extLst>
                 <a:ext uri="{91240B29-F687-4f45-9708-019B960494DF}">
-                  <a14:hiddenLine xmlns="" xmlns:a14="http://schemas.microsoft.com/office/drawing/2010/main" w="9525">
+                  <a14:hiddenLine xmlns:a14="http://schemas.microsoft.com/office/drawing/2010/main" xmlns="" w="9525">
                     <a:solidFill>
                       <a:srgbClr val="000000"/>
                     </a:solidFill>
@@ -11632,7 +11632,7 @@
               </a:ln>
               <a:extLst>
                 <a:ext uri="{91240B29-F687-4f45-9708-019B960494DF}">
-                  <a14:hiddenLine xmlns="" xmlns:a14="http://schemas.microsoft.com/office/drawing/2010/main" w="9525">
+                  <a14:hiddenLine xmlns:a14="http://schemas.microsoft.com/office/drawing/2010/main" xmlns="" w="9525">
                     <a:solidFill>
                       <a:srgbClr val="000000"/>
                     </a:solidFill>
@@ -11722,7 +11722,7 @@
               </a:ln>
               <a:extLst>
                 <a:ext uri="{91240B29-F687-4f45-9708-019B960494DF}">
-                  <a14:hiddenLine xmlns="" xmlns:a14="http://schemas.microsoft.com/office/drawing/2010/main" w="9525">
+                  <a14:hiddenLine xmlns:a14="http://schemas.microsoft.com/office/drawing/2010/main" xmlns="" w="9525">
                     <a:solidFill>
                       <a:srgbClr val="000000"/>
                     </a:solidFill>
@@ -11790,7 +11790,7 @@
               </a:ln>
               <a:extLst>
                 <a:ext uri="{91240B29-F687-4f45-9708-019B960494DF}">
-                  <a14:hiddenLine xmlns="" xmlns:a14="http://schemas.microsoft.com/office/drawing/2010/main" w="9525">
+                  <a14:hiddenLine xmlns:a14="http://schemas.microsoft.com/office/drawing/2010/main" xmlns="" w="9525">
                     <a:solidFill>
                       <a:srgbClr val="000000"/>
                     </a:solidFill>
@@ -11880,7 +11880,7 @@
               </a:ln>
               <a:extLst>
                 <a:ext uri="{91240B29-F687-4f45-9708-019B960494DF}">
-                  <a14:hiddenLine xmlns="" xmlns:a14="http://schemas.microsoft.com/office/drawing/2010/main" w="9525">
+                  <a14:hiddenLine xmlns:a14="http://schemas.microsoft.com/office/drawing/2010/main" xmlns="" w="9525">
                     <a:solidFill>
                       <a:srgbClr val="000000"/>
                     </a:solidFill>
@@ -11914,7 +11914,7 @@
               </a:ln>
               <a:extLst>
                 <a:ext uri="{91240B29-F687-4f45-9708-019B960494DF}">
-                  <a14:hiddenLine xmlns="" xmlns:a14="http://schemas.microsoft.com/office/drawing/2010/main" w="9525">
+                  <a14:hiddenLine xmlns:a14="http://schemas.microsoft.com/office/drawing/2010/main" xmlns="" w="9525">
                     <a:solidFill>
                       <a:srgbClr val="000000"/>
                     </a:solidFill>
@@ -12054,7 +12054,7 @@
           <a:p>
             <a:fld id="{4AF8082C-0922-4249-A612-B415F5231620}" type="datetime1">
               <a:rPr lang="en-US" smtClean="0"/>
-              <a:t>2/21/2021</a:t>
+              <a:t>2/22/2021</a:t>
             </a:fld>
             <a:endParaRPr lang="en-US" dirty="0"/>
           </a:p>
@@ -13298,7 +13298,7 @@
         <p:spPr>
           <a:xfrm>
             <a:off x="3512191" y="1120676"/>
-            <a:ext cx="5838737" cy="2308324"/>
+            <a:ext cx="5838737" cy="4524315"/>
           </a:xfrm>
           <a:prstGeom prst="rect">
             <a:avLst/>
@@ -13346,6 +13346,16 @@
             <a:endParaRPr lang="hu-HU" sz="2400" dirty="0"/>
           </a:p>
           <a:p>
+            <a:pPr marL="342900" indent="-342900">
+              <a:buFont typeface="Courier New" panose="02070309020205020404" pitchFamily="49" charset="0"/>
+              <a:buChar char="o"/>
+            </a:pPr>
+            <a:r>
+              <a:rPr lang="hu-HU" sz="2400" dirty="0"/>
+              <a:t>Kommunikáció: Java Spring</a:t>
+            </a:r>
+          </a:p>
+          <a:p>
             <a:pPr marL="285750" indent="-285750">
               <a:buFont typeface="Courier New" panose="02070309020205020404" pitchFamily="49" charset="0"/>
               <a:buChar char="o"/>
@@ -13374,11 +13384,67 @@
             </a:r>
           </a:p>
           <a:p>
+            <a:pPr marL="1257300" lvl="2" indent="-342900">
+              <a:buFont typeface="Arial" panose="020B0604020202020204" pitchFamily="34" charset="0"/>
+              <a:buChar char="•"/>
+            </a:pPr>
+            <a:r>
+              <a:rPr lang="hu-HU" sz="2400" dirty="0"/>
+              <a:t>Java nyelven</a:t>
+            </a:r>
+          </a:p>
+          <a:p>
+            <a:pPr marL="1257300" lvl="2" indent="-342900">
+              <a:buFont typeface="Arial" panose="020B0604020202020204" pitchFamily="34" charset="0"/>
+              <a:buChar char="•"/>
+            </a:pPr>
+            <a:r>
+              <a:rPr lang="hu-HU" sz="2400" dirty="0"/>
+              <a:t>Amazon </a:t>
+            </a:r>
+            <a:r>
+              <a:rPr lang="hu-HU" sz="2400" dirty="0" err="1"/>
+              <a:t>Kinesis</a:t>
+            </a:r>
+            <a:r>
+              <a:rPr lang="hu-HU" sz="2400" dirty="0"/>
+              <a:t> Video </a:t>
+            </a:r>
+            <a:r>
+              <a:rPr lang="hu-HU" sz="2400" dirty="0" err="1"/>
+              <a:t>Streams</a:t>
+            </a:r>
+            <a:endParaRPr lang="hu-HU" sz="2400" dirty="0"/>
+          </a:p>
+          <a:p>
+            <a:pPr marL="1257300" lvl="2" indent="-342900">
+              <a:buFont typeface="Arial" panose="020B0604020202020204" pitchFamily="34" charset="0"/>
+              <a:buChar char="•"/>
+            </a:pPr>
+            <a:r>
+              <a:rPr lang="hu-HU" sz="2400" dirty="0" err="1"/>
+              <a:t>GStreamer</a:t>
+            </a:r>
+            <a:r>
+              <a:rPr lang="hu-HU" sz="2400" dirty="0"/>
+              <a:t> </a:t>
+            </a:r>
+            <a:r>
+              <a:rPr lang="hu-HU" sz="2400" dirty="0" err="1"/>
+              <a:t>Plugin</a:t>
+            </a:r>
+            <a:endParaRPr lang="hu-HU" sz="2400" dirty="0"/>
+          </a:p>
+          <a:p>
             <a:pPr marL="800100" lvl="1" indent="-342900">
               <a:buFont typeface="Wingdings" panose="05000000000000000000" pitchFamily="2" charset="2"/>
               <a:buChar char="§"/>
             </a:pPr>
             <a:r>
+              <a:rPr lang="hu-HU" sz="2400" dirty="0"/>
+              <a:t>Facebook </a:t>
+            </a:r>
+            <a:r>
               <a:rPr lang="hu-HU" sz="2400" dirty="0" err="1"/>
               <a:t>Prophet</a:t>
             </a:r>
@@ -13393,6 +13459,35 @@
             <a:r>
               <a:rPr lang="hu-HU" sz="2400" dirty="0"/>
               <a:t>)</a:t>
+            </a:r>
+          </a:p>
+          <a:p>
+            <a:pPr marL="1257300" lvl="2" indent="-342900">
+              <a:buFont typeface="Arial" panose="020B0604020202020204" pitchFamily="34" charset="0"/>
+              <a:buChar char="•"/>
+            </a:pPr>
+            <a:r>
+              <a:rPr lang="hu-HU" sz="2400" dirty="0" err="1"/>
+              <a:t>Prophet</a:t>
+            </a:r>
+            <a:r>
+              <a:rPr lang="hu-HU" sz="2400"/>
+              <a:t> Python API</a:t>
+            </a:r>
+            <a:endParaRPr lang="hu-HU" sz="2400" dirty="0"/>
+          </a:p>
+          <a:p>
+            <a:pPr marL="1257300" lvl="2" indent="-342900">
+              <a:buFont typeface="Arial" panose="020B0604020202020204" pitchFamily="34" charset="0"/>
+              <a:buChar char="•"/>
+            </a:pPr>
+            <a:r>
+              <a:rPr lang="hu-HU" sz="2400" dirty="0" err="1"/>
+              <a:t>ProcessBuilder</a:t>
+            </a:r>
+            <a:r>
+              <a:rPr lang="hu-HU" sz="2400" dirty="0"/>
+              <a:t> segítségével</a:t>
             </a:r>
           </a:p>
         </p:txBody>

--- a/Specifikáció.pptx
+++ b/Specifikáció.pptx
@@ -166,7 +166,7 @@
           <a:noFill/>
           <a:extLst>
             <a:ext uri="{909E8E84-426E-40dd-AFC4-6F175D3DCCD1}">
-              <a14:hiddenFill xmlns:a14="http://schemas.microsoft.com/office/drawing/2010/main" xmlns="">
+              <a14:hiddenFill xmlns="" xmlns:a14="http://schemas.microsoft.com/office/drawing/2010/main">
                 <a:solidFill>
                   <a:srgbClr val="FFFFFF"/>
                 </a:solidFill>
@@ -226,7 +226,7 @@
             </a:ln>
             <a:extLst>
               <a:ext uri="{91240B29-F687-4f45-9708-019B960494DF}">
-                <a14:hiddenLine xmlns:a14="http://schemas.microsoft.com/office/drawing/2010/main" xmlns="" w="9525">
+                <a14:hiddenLine xmlns="" xmlns:a14="http://schemas.microsoft.com/office/drawing/2010/main" w="9525">
                   <a:solidFill>
                     <a:srgbClr val="000000"/>
                   </a:solidFill>
@@ -316,7 +316,7 @@
             </a:ln>
             <a:extLst>
               <a:ext uri="{91240B29-F687-4f45-9708-019B960494DF}">
-                <a14:hiddenLine xmlns:a14="http://schemas.microsoft.com/office/drawing/2010/main" xmlns="" w="9525">
+                <a14:hiddenLine xmlns="" xmlns:a14="http://schemas.microsoft.com/office/drawing/2010/main" w="9525">
                   <a:solidFill>
                     <a:srgbClr val="000000"/>
                   </a:solidFill>
@@ -406,7 +406,7 @@
             </a:ln>
             <a:extLst>
               <a:ext uri="{91240B29-F687-4f45-9708-019B960494DF}">
-                <a14:hiddenLine xmlns:a14="http://schemas.microsoft.com/office/drawing/2010/main" xmlns="" w="9525">
+                <a14:hiddenLine xmlns="" xmlns:a14="http://schemas.microsoft.com/office/drawing/2010/main" w="9525">
                   <a:solidFill>
                     <a:srgbClr val="000000"/>
                   </a:solidFill>
@@ -440,7 +440,7 @@
             </a:ln>
             <a:extLst>
               <a:ext uri="{91240B29-F687-4f45-9708-019B960494DF}">
-                <a14:hiddenLine xmlns:a14="http://schemas.microsoft.com/office/drawing/2010/main" xmlns="" w="9525">
+                <a14:hiddenLine xmlns="" xmlns:a14="http://schemas.microsoft.com/office/drawing/2010/main" w="9525">
                   <a:solidFill>
                     <a:srgbClr val="000000"/>
                   </a:solidFill>
@@ -530,7 +530,7 @@
             </a:ln>
             <a:extLst>
               <a:ext uri="{91240B29-F687-4f45-9708-019B960494DF}">
-                <a14:hiddenLine xmlns:a14="http://schemas.microsoft.com/office/drawing/2010/main" xmlns="" w="9525">
+                <a14:hiddenLine xmlns="" xmlns:a14="http://schemas.microsoft.com/office/drawing/2010/main" w="9525">
                   <a:solidFill>
                     <a:srgbClr val="000000"/>
                   </a:solidFill>
@@ -592,7 +592,7 @@
             </a:ln>
             <a:extLst>
               <a:ext uri="{91240B29-F687-4f45-9708-019B960494DF}">
-                <a14:hiddenLine xmlns:a14="http://schemas.microsoft.com/office/drawing/2010/main" xmlns="" w="9525">
+                <a14:hiddenLine xmlns="" xmlns:a14="http://schemas.microsoft.com/office/drawing/2010/main" w="9525">
                   <a:solidFill>
                     <a:srgbClr val="000000"/>
                   </a:solidFill>
@@ -654,7 +654,7 @@
             </a:ln>
             <a:extLst>
               <a:ext uri="{91240B29-F687-4f45-9708-019B960494DF}">
-                <a14:hiddenLine xmlns:a14="http://schemas.microsoft.com/office/drawing/2010/main" xmlns="" w="9525">
+                <a14:hiddenLine xmlns="" xmlns:a14="http://schemas.microsoft.com/office/drawing/2010/main" w="9525">
                   <a:solidFill>
                     <a:srgbClr val="000000"/>
                   </a:solidFill>
@@ -744,7 +744,7 @@
             </a:ln>
             <a:extLst>
               <a:ext uri="{91240B29-F687-4f45-9708-019B960494DF}">
-                <a14:hiddenLine xmlns:a14="http://schemas.microsoft.com/office/drawing/2010/main" xmlns="" w="9525">
+                <a14:hiddenLine xmlns="" xmlns:a14="http://schemas.microsoft.com/office/drawing/2010/main" w="9525">
                   <a:solidFill>
                     <a:srgbClr val="000000"/>
                   </a:solidFill>
@@ -806,7 +806,7 @@
             </a:ln>
             <a:extLst>
               <a:ext uri="{91240B29-F687-4f45-9708-019B960494DF}">
-                <a14:hiddenLine xmlns:a14="http://schemas.microsoft.com/office/drawing/2010/main" xmlns="" w="9525">
+                <a14:hiddenLine xmlns="" xmlns:a14="http://schemas.microsoft.com/office/drawing/2010/main" w="9525">
                   <a:solidFill>
                     <a:srgbClr val="000000"/>
                   </a:solidFill>
@@ -868,7 +868,7 @@
             </a:ln>
             <a:extLst>
               <a:ext uri="{91240B29-F687-4f45-9708-019B960494DF}">
-                <a14:hiddenLine xmlns:a14="http://schemas.microsoft.com/office/drawing/2010/main" xmlns="" w="9525">
+                <a14:hiddenLine xmlns="" xmlns:a14="http://schemas.microsoft.com/office/drawing/2010/main" w="9525">
                   <a:solidFill>
                     <a:srgbClr val="000000"/>
                   </a:solidFill>
@@ -958,7 +958,7 @@
             </a:ln>
             <a:extLst>
               <a:ext uri="{91240B29-F687-4f45-9708-019B960494DF}">
-                <a14:hiddenLine xmlns:a14="http://schemas.microsoft.com/office/drawing/2010/main" xmlns="" w="9525">
+                <a14:hiddenLine xmlns="" xmlns:a14="http://schemas.microsoft.com/office/drawing/2010/main" w="9525">
                   <a:solidFill>
                     <a:srgbClr val="000000"/>
                   </a:solidFill>
@@ -1048,7 +1048,7 @@
             </a:ln>
             <a:extLst>
               <a:ext uri="{91240B29-F687-4f45-9708-019B960494DF}">
-                <a14:hiddenLine xmlns:a14="http://schemas.microsoft.com/office/drawing/2010/main" xmlns="" w="9525">
+                <a14:hiddenLine xmlns="" xmlns:a14="http://schemas.microsoft.com/office/drawing/2010/main" w="9525">
                   <a:solidFill>
                     <a:srgbClr val="000000"/>
                   </a:solidFill>
@@ -1110,7 +1110,7 @@
             </a:ln>
             <a:extLst>
               <a:ext uri="{91240B29-F687-4f45-9708-019B960494DF}">
-                <a14:hiddenLine xmlns:a14="http://schemas.microsoft.com/office/drawing/2010/main" xmlns="" w="9525">
+                <a14:hiddenLine xmlns="" xmlns:a14="http://schemas.microsoft.com/office/drawing/2010/main" w="9525">
                   <a:solidFill>
                     <a:srgbClr val="000000"/>
                   </a:solidFill>
@@ -1220,7 +1220,7 @@
             </a:ln>
             <a:extLst>
               <a:ext uri="{91240B29-F687-4f45-9708-019B960494DF}">
-                <a14:hiddenLine xmlns:a14="http://schemas.microsoft.com/office/drawing/2010/main" xmlns="" w="9525">
+                <a14:hiddenLine xmlns="" xmlns:a14="http://schemas.microsoft.com/office/drawing/2010/main" w="9525">
                   <a:solidFill>
                     <a:srgbClr val="000000"/>
                   </a:solidFill>
@@ -1282,7 +1282,7 @@
             </a:ln>
             <a:extLst>
               <a:ext uri="{91240B29-F687-4f45-9708-019B960494DF}">
-                <a14:hiddenLine xmlns:a14="http://schemas.microsoft.com/office/drawing/2010/main" xmlns="" w="9525">
+                <a14:hiddenLine xmlns="" xmlns:a14="http://schemas.microsoft.com/office/drawing/2010/main" w="9525">
                   <a:solidFill>
                     <a:srgbClr val="000000"/>
                   </a:solidFill>
@@ -1372,7 +1372,7 @@
             </a:ln>
             <a:extLst>
               <a:ext uri="{91240B29-F687-4f45-9708-019B960494DF}">
-                <a14:hiddenLine xmlns:a14="http://schemas.microsoft.com/office/drawing/2010/main" xmlns="" w="9525">
+                <a14:hiddenLine xmlns="" xmlns:a14="http://schemas.microsoft.com/office/drawing/2010/main" w="9525">
                   <a:solidFill>
                     <a:srgbClr val="000000"/>
                   </a:solidFill>
@@ -1462,7 +1462,7 @@
             </a:ln>
             <a:extLst>
               <a:ext uri="{91240B29-F687-4f45-9708-019B960494DF}">
-                <a14:hiddenLine xmlns:a14="http://schemas.microsoft.com/office/drawing/2010/main" xmlns="" w="9525">
+                <a14:hiddenLine xmlns="" xmlns:a14="http://schemas.microsoft.com/office/drawing/2010/main" w="9525">
                   <a:solidFill>
                     <a:srgbClr val="000000"/>
                   </a:solidFill>
@@ -1524,7 +1524,7 @@
             </a:ln>
             <a:extLst>
               <a:ext uri="{91240B29-F687-4f45-9708-019B960494DF}">
-                <a14:hiddenLine xmlns:a14="http://schemas.microsoft.com/office/drawing/2010/main" xmlns="" w="9525">
+                <a14:hiddenLine xmlns="" xmlns:a14="http://schemas.microsoft.com/office/drawing/2010/main" w="9525">
                   <a:solidFill>
                     <a:srgbClr val="000000"/>
                   </a:solidFill>
@@ -1614,7 +1614,7 @@
             </a:ln>
             <a:extLst>
               <a:ext uri="{91240B29-F687-4f45-9708-019B960494DF}">
-                <a14:hiddenLine xmlns:a14="http://schemas.microsoft.com/office/drawing/2010/main" xmlns="" w="9525">
+                <a14:hiddenLine xmlns="" xmlns:a14="http://schemas.microsoft.com/office/drawing/2010/main" w="9525">
                   <a:solidFill>
                     <a:srgbClr val="000000"/>
                   </a:solidFill>
@@ -1704,7 +1704,7 @@
             </a:ln>
             <a:extLst>
               <a:ext uri="{91240B29-F687-4f45-9708-019B960494DF}">
-                <a14:hiddenLine xmlns:a14="http://schemas.microsoft.com/office/drawing/2010/main" xmlns="" w="9525">
+                <a14:hiddenLine xmlns="" xmlns:a14="http://schemas.microsoft.com/office/drawing/2010/main" w="9525">
                   <a:solidFill>
                     <a:srgbClr val="000000"/>
                   </a:solidFill>
@@ -1760,7 +1760,7 @@
             </a:ln>
             <a:extLst>
               <a:ext uri="{91240B29-F687-4f45-9708-019B960494DF}">
-                <a14:hiddenLine xmlns:a14="http://schemas.microsoft.com/office/drawing/2010/main" xmlns="" w="9525">
+                <a14:hiddenLine xmlns="" xmlns:a14="http://schemas.microsoft.com/office/drawing/2010/main" w="9525">
                   <a:solidFill>
                     <a:srgbClr val="000000"/>
                   </a:solidFill>
@@ -1850,7 +1850,7 @@
             </a:ln>
             <a:extLst>
               <a:ext uri="{91240B29-F687-4f45-9708-019B960494DF}">
-                <a14:hiddenLine xmlns:a14="http://schemas.microsoft.com/office/drawing/2010/main" xmlns="" w="9525">
+                <a14:hiddenLine xmlns="" xmlns:a14="http://schemas.microsoft.com/office/drawing/2010/main" w="9525">
                   <a:solidFill>
                     <a:srgbClr val="000000"/>
                   </a:solidFill>
@@ -1906,7 +1906,7 @@
             </a:ln>
             <a:extLst>
               <a:ext uri="{91240B29-F687-4f45-9708-019B960494DF}">
-                <a14:hiddenLine xmlns:a14="http://schemas.microsoft.com/office/drawing/2010/main" xmlns="" w="9525">
+                <a14:hiddenLine xmlns="" xmlns:a14="http://schemas.microsoft.com/office/drawing/2010/main" w="9525">
                   <a:solidFill>
                     <a:srgbClr val="000000"/>
                   </a:solidFill>
@@ -1996,7 +1996,7 @@
             </a:ln>
             <a:extLst>
               <a:ext uri="{91240B29-F687-4f45-9708-019B960494DF}">
-                <a14:hiddenLine xmlns:a14="http://schemas.microsoft.com/office/drawing/2010/main" xmlns="" w="9525">
+                <a14:hiddenLine xmlns="" xmlns:a14="http://schemas.microsoft.com/office/drawing/2010/main" w="9525">
                   <a:solidFill>
                     <a:srgbClr val="000000"/>
                   </a:solidFill>
@@ -2064,7 +2064,7 @@
             </a:ln>
             <a:extLst>
               <a:ext uri="{91240B29-F687-4f45-9708-019B960494DF}">
-                <a14:hiddenLine xmlns:a14="http://schemas.microsoft.com/office/drawing/2010/main" xmlns="" w="9525">
+                <a14:hiddenLine xmlns="" xmlns:a14="http://schemas.microsoft.com/office/drawing/2010/main" w="9525">
                   <a:solidFill>
                     <a:srgbClr val="000000"/>
                   </a:solidFill>
@@ -2154,7 +2154,7 @@
             </a:ln>
             <a:extLst>
               <a:ext uri="{91240B29-F687-4f45-9708-019B960494DF}">
-                <a14:hiddenLine xmlns:a14="http://schemas.microsoft.com/office/drawing/2010/main" xmlns="" w="9525">
+                <a14:hiddenLine xmlns="" xmlns:a14="http://schemas.microsoft.com/office/drawing/2010/main" w="9525">
                   <a:solidFill>
                     <a:srgbClr val="000000"/>
                   </a:solidFill>
@@ -2222,7 +2222,7 @@
             </a:ln>
             <a:extLst>
               <a:ext uri="{91240B29-F687-4f45-9708-019B960494DF}">
-                <a14:hiddenLine xmlns:a14="http://schemas.microsoft.com/office/drawing/2010/main" xmlns="" w="9525">
+                <a14:hiddenLine xmlns="" xmlns:a14="http://schemas.microsoft.com/office/drawing/2010/main" w="9525">
                   <a:solidFill>
                     <a:srgbClr val="000000"/>
                   </a:solidFill>
@@ -2312,7 +2312,7 @@
             </a:ln>
             <a:extLst>
               <a:ext uri="{91240B29-F687-4f45-9708-019B960494DF}">
-                <a14:hiddenLine xmlns:a14="http://schemas.microsoft.com/office/drawing/2010/main" xmlns="" w="9525">
+                <a14:hiddenLine xmlns="" xmlns:a14="http://schemas.microsoft.com/office/drawing/2010/main" w="9525">
                   <a:solidFill>
                     <a:srgbClr val="000000"/>
                   </a:solidFill>
@@ -2346,7 +2346,7 @@
             </a:ln>
             <a:extLst>
               <a:ext uri="{91240B29-F687-4f45-9708-019B960494DF}">
-                <a14:hiddenLine xmlns:a14="http://schemas.microsoft.com/office/drawing/2010/main" xmlns="" w="9525">
+                <a14:hiddenLine xmlns="" xmlns:a14="http://schemas.microsoft.com/office/drawing/2010/main" w="9525">
                   <a:solidFill>
                     <a:srgbClr val="000000"/>
                   </a:solidFill>
@@ -2436,7 +2436,7 @@
             </a:ln>
             <a:extLst>
               <a:ext uri="{91240B29-F687-4f45-9708-019B960494DF}">
-                <a14:hiddenLine xmlns:a14="http://schemas.microsoft.com/office/drawing/2010/main" xmlns="" w="9525">
+                <a14:hiddenLine xmlns="" xmlns:a14="http://schemas.microsoft.com/office/drawing/2010/main" w="9525">
                   <a:solidFill>
                     <a:srgbClr val="000000"/>
                   </a:solidFill>
@@ -2498,7 +2498,7 @@
             </a:ln>
             <a:extLst>
               <a:ext uri="{91240B29-F687-4f45-9708-019B960494DF}">
-                <a14:hiddenLine xmlns:a14="http://schemas.microsoft.com/office/drawing/2010/main" xmlns="" w="9525">
+                <a14:hiddenLine xmlns="" xmlns:a14="http://schemas.microsoft.com/office/drawing/2010/main" w="9525">
                   <a:solidFill>
                     <a:srgbClr val="000000"/>
                   </a:solidFill>
@@ -2560,7 +2560,7 @@
             </a:ln>
             <a:extLst>
               <a:ext uri="{91240B29-F687-4f45-9708-019B960494DF}">
-                <a14:hiddenLine xmlns:a14="http://schemas.microsoft.com/office/drawing/2010/main" xmlns="" w="9525">
+                <a14:hiddenLine xmlns="" xmlns:a14="http://schemas.microsoft.com/office/drawing/2010/main" w="9525">
                   <a:solidFill>
                     <a:srgbClr val="000000"/>
                   </a:solidFill>
@@ -2650,7 +2650,7 @@
             </a:ln>
             <a:extLst>
               <a:ext uri="{91240B29-F687-4f45-9708-019B960494DF}">
-                <a14:hiddenLine xmlns:a14="http://schemas.microsoft.com/office/drawing/2010/main" xmlns="" w="9525">
+                <a14:hiddenLine xmlns="" xmlns:a14="http://schemas.microsoft.com/office/drawing/2010/main" w="9525">
                   <a:solidFill>
                     <a:srgbClr val="000000"/>
                   </a:solidFill>
@@ -2718,7 +2718,7 @@
             </a:ln>
             <a:extLst>
               <a:ext uri="{91240B29-F687-4f45-9708-019B960494DF}">
-                <a14:hiddenLine xmlns:a14="http://schemas.microsoft.com/office/drawing/2010/main" xmlns="" w="9525">
+                <a14:hiddenLine xmlns="" xmlns:a14="http://schemas.microsoft.com/office/drawing/2010/main" w="9525">
                   <a:solidFill>
                     <a:srgbClr val="000000"/>
                   </a:solidFill>
@@ -2780,7 +2780,7 @@
             </a:ln>
             <a:extLst>
               <a:ext uri="{91240B29-F687-4f45-9708-019B960494DF}">
-                <a14:hiddenLine xmlns:a14="http://schemas.microsoft.com/office/drawing/2010/main" xmlns="" w="9525">
+                <a14:hiddenLine xmlns="" xmlns:a14="http://schemas.microsoft.com/office/drawing/2010/main" w="9525">
                   <a:solidFill>
                     <a:srgbClr val="000000"/>
                   </a:solidFill>
@@ -2870,7 +2870,7 @@
             </a:ln>
             <a:extLst>
               <a:ext uri="{91240B29-F687-4f45-9708-019B960494DF}">
-                <a14:hiddenLine xmlns:a14="http://schemas.microsoft.com/office/drawing/2010/main" xmlns="" w="9525">
+                <a14:hiddenLine xmlns="" xmlns:a14="http://schemas.microsoft.com/office/drawing/2010/main" w="9525">
                   <a:solidFill>
                     <a:srgbClr val="000000"/>
                   </a:solidFill>
@@ -2932,7 +2932,7 @@
             </a:ln>
             <a:extLst>
               <a:ext uri="{91240B29-F687-4f45-9708-019B960494DF}">
-                <a14:hiddenLine xmlns:a14="http://schemas.microsoft.com/office/drawing/2010/main" xmlns="" w="9525">
+                <a14:hiddenLine xmlns="" xmlns:a14="http://schemas.microsoft.com/office/drawing/2010/main" w="9525">
                   <a:solidFill>
                     <a:srgbClr val="000000"/>
                   </a:solidFill>
@@ -3022,7 +3022,7 @@
             </a:ln>
             <a:extLst>
               <a:ext uri="{91240B29-F687-4f45-9708-019B960494DF}">
-                <a14:hiddenLine xmlns:a14="http://schemas.microsoft.com/office/drawing/2010/main" xmlns="" w="9525">
+                <a14:hiddenLine xmlns="" xmlns:a14="http://schemas.microsoft.com/office/drawing/2010/main" w="9525">
                   <a:solidFill>
                     <a:srgbClr val="000000"/>
                   </a:solidFill>
@@ -3084,7 +3084,7 @@
             </a:ln>
             <a:extLst>
               <a:ext uri="{91240B29-F687-4f45-9708-019B960494DF}">
-                <a14:hiddenLine xmlns:a14="http://schemas.microsoft.com/office/drawing/2010/main" xmlns="" w="9525">
+                <a14:hiddenLine xmlns="" xmlns:a14="http://schemas.microsoft.com/office/drawing/2010/main" w="9525">
                   <a:solidFill>
                     <a:srgbClr val="000000"/>
                   </a:solidFill>
@@ -3174,7 +3174,7 @@
             </a:ln>
             <a:extLst>
               <a:ext uri="{91240B29-F687-4f45-9708-019B960494DF}">
-                <a14:hiddenLine xmlns:a14="http://schemas.microsoft.com/office/drawing/2010/main" xmlns="" w="9525">
+                <a14:hiddenLine xmlns="" xmlns:a14="http://schemas.microsoft.com/office/drawing/2010/main" w="9525">
                   <a:solidFill>
                     <a:srgbClr val="000000"/>
                   </a:solidFill>
@@ -3208,7 +3208,7 @@
             </a:ln>
             <a:extLst>
               <a:ext uri="{91240B29-F687-4f45-9708-019B960494DF}">
-                <a14:hiddenLine xmlns:a14="http://schemas.microsoft.com/office/drawing/2010/main" xmlns="" w="9525">
+                <a14:hiddenLine xmlns="" xmlns:a14="http://schemas.microsoft.com/office/drawing/2010/main" w="9525">
                   <a:solidFill>
                     <a:srgbClr val="000000"/>
                   </a:solidFill>
@@ -3273,7 +3273,7 @@
             </a:ln>
             <a:extLst>
               <a:ext uri="{91240B29-F687-4f45-9708-019B960494DF}">
-                <a14:hiddenLine xmlns:a14="http://schemas.microsoft.com/office/drawing/2010/main" xmlns="" w="9525">
+                <a14:hiddenLine xmlns="" xmlns:a14="http://schemas.microsoft.com/office/drawing/2010/main" w="9525">
                   <a:solidFill>
                     <a:srgbClr val="000000"/>
                   </a:solidFill>
@@ -3363,7 +3363,7 @@
             </a:ln>
             <a:extLst>
               <a:ext uri="{91240B29-F687-4f45-9708-019B960494DF}">
-                <a14:hiddenLine xmlns:a14="http://schemas.microsoft.com/office/drawing/2010/main" xmlns="" w="9525">
+                <a14:hiddenLine xmlns="" xmlns:a14="http://schemas.microsoft.com/office/drawing/2010/main" w="9525">
                   <a:solidFill>
                     <a:srgbClr val="000000"/>
                   </a:solidFill>
@@ -3425,7 +3425,7 @@
             </a:ln>
             <a:extLst>
               <a:ext uri="{91240B29-F687-4f45-9708-019B960494DF}">
-                <a14:hiddenLine xmlns:a14="http://schemas.microsoft.com/office/drawing/2010/main" xmlns="" w="9525">
+                <a14:hiddenLine xmlns="" xmlns:a14="http://schemas.microsoft.com/office/drawing/2010/main" w="9525">
                   <a:solidFill>
                     <a:srgbClr val="000000"/>
                   </a:solidFill>
@@ -3515,7 +3515,7 @@
             </a:ln>
             <a:extLst>
               <a:ext uri="{91240B29-F687-4f45-9708-019B960494DF}">
-                <a14:hiddenLine xmlns:a14="http://schemas.microsoft.com/office/drawing/2010/main" xmlns="" w="9525">
+                <a14:hiddenLine xmlns="" xmlns:a14="http://schemas.microsoft.com/office/drawing/2010/main" w="9525">
                   <a:solidFill>
                     <a:srgbClr val="000000"/>
                   </a:solidFill>
@@ -3605,7 +3605,7 @@
             </a:ln>
             <a:extLst>
               <a:ext uri="{91240B29-F687-4f45-9708-019B960494DF}">
-                <a14:hiddenLine xmlns:a14="http://schemas.microsoft.com/office/drawing/2010/main" xmlns="" w="9525">
+                <a14:hiddenLine xmlns="" xmlns:a14="http://schemas.microsoft.com/office/drawing/2010/main" w="9525">
                   <a:solidFill>
                     <a:srgbClr val="000000"/>
                   </a:solidFill>
@@ -3670,7 +3670,7 @@
             </a:ln>
             <a:extLst>
               <a:ext uri="{91240B29-F687-4f45-9708-019B960494DF}">
-                <a14:hiddenLine xmlns:a14="http://schemas.microsoft.com/office/drawing/2010/main" xmlns="" w="9525">
+                <a14:hiddenLine xmlns="" xmlns:a14="http://schemas.microsoft.com/office/drawing/2010/main" w="9525">
                   <a:solidFill>
                     <a:srgbClr val="000000"/>
                   </a:solidFill>
@@ -3732,7 +3732,7 @@
             </a:ln>
             <a:extLst>
               <a:ext uri="{91240B29-F687-4f45-9708-019B960494DF}">
-                <a14:hiddenLine xmlns:a14="http://schemas.microsoft.com/office/drawing/2010/main" xmlns="" w="9525">
+                <a14:hiddenLine xmlns="" xmlns:a14="http://schemas.microsoft.com/office/drawing/2010/main" w="9525">
                   <a:solidFill>
                     <a:srgbClr val="000000"/>
                   </a:solidFill>
@@ -3822,7 +3822,7 @@
             </a:ln>
             <a:extLst>
               <a:ext uri="{91240B29-F687-4f45-9708-019B960494DF}">
-                <a14:hiddenLine xmlns:a14="http://schemas.microsoft.com/office/drawing/2010/main" xmlns="" w="9525">
+                <a14:hiddenLine xmlns="" xmlns:a14="http://schemas.microsoft.com/office/drawing/2010/main" w="9525">
                   <a:solidFill>
                     <a:srgbClr val="000000"/>
                   </a:solidFill>
@@ -3912,7 +3912,7 @@
             </a:ln>
             <a:extLst>
               <a:ext uri="{91240B29-F687-4f45-9708-019B960494DF}">
-                <a14:hiddenLine xmlns:a14="http://schemas.microsoft.com/office/drawing/2010/main" xmlns="" w="9525">
+                <a14:hiddenLine xmlns="" xmlns:a14="http://schemas.microsoft.com/office/drawing/2010/main" w="9525">
                   <a:solidFill>
                     <a:srgbClr val="000000"/>
                   </a:solidFill>
@@ -3974,7 +3974,7 @@
             </a:ln>
             <a:extLst>
               <a:ext uri="{91240B29-F687-4f45-9708-019B960494DF}">
-                <a14:hiddenLine xmlns:a14="http://schemas.microsoft.com/office/drawing/2010/main" xmlns="" w="9525">
+                <a14:hiddenLine xmlns="" xmlns:a14="http://schemas.microsoft.com/office/drawing/2010/main" w="9525">
                   <a:solidFill>
                     <a:srgbClr val="000000"/>
                   </a:solidFill>
@@ -4094,7 +4094,7 @@
             </a:ln>
             <a:extLst>
               <a:ext uri="{91240B29-F687-4f45-9708-019B960494DF}">
-                <a14:hiddenLine xmlns:a14="http://schemas.microsoft.com/office/drawing/2010/main" xmlns="" w="9525">
+                <a14:hiddenLine xmlns="" xmlns:a14="http://schemas.microsoft.com/office/drawing/2010/main" w="9525">
                   <a:solidFill>
                     <a:srgbClr val="000000"/>
                   </a:solidFill>
@@ -4162,7 +4162,7 @@
             </a:ln>
             <a:extLst>
               <a:ext uri="{91240B29-F687-4f45-9708-019B960494DF}">
-                <a14:hiddenLine xmlns:a14="http://schemas.microsoft.com/office/drawing/2010/main" xmlns="" w="9525">
+                <a14:hiddenLine xmlns="" xmlns:a14="http://schemas.microsoft.com/office/drawing/2010/main" w="9525">
                   <a:solidFill>
                     <a:srgbClr val="000000"/>
                   </a:solidFill>
@@ -4252,7 +4252,7 @@
             </a:ln>
             <a:extLst>
               <a:ext uri="{91240B29-F687-4f45-9708-019B960494DF}">
-                <a14:hiddenLine xmlns:a14="http://schemas.microsoft.com/office/drawing/2010/main" xmlns="" w="9525">
+                <a14:hiddenLine xmlns="" xmlns:a14="http://schemas.microsoft.com/office/drawing/2010/main" w="9525">
                   <a:solidFill>
                     <a:srgbClr val="000000"/>
                   </a:solidFill>
@@ -4392,7 +4392,7 @@
           <a:p>
             <a:fld id="{4AF8082C-0922-4249-A612-B415F5231620}" type="datetime1">
               <a:rPr lang="en-US" smtClean="0"/>
-              <a:t>2/22/2021</a:t>
+              <a:t>2/23/2021</a:t>
             </a:fld>
             <a:endParaRPr lang="en-US" dirty="0"/>
           </a:p>
@@ -4661,7 +4661,7 @@
           <a:p>
             <a:fld id="{4AF8082C-0922-4249-A612-B415F5231620}" type="datetime1">
               <a:rPr lang="en-US" smtClean="0"/>
-              <a:t>2/22/2021</a:t>
+              <a:t>2/23/2021</a:t>
             </a:fld>
             <a:endParaRPr lang="en-US" dirty="0"/>
           </a:p>
@@ -4859,7 +4859,7 @@
           <a:p>
             <a:fld id="{4AF8082C-0922-4249-A612-B415F5231620}" type="datetime1">
               <a:rPr lang="en-US" smtClean="0"/>
-              <a:t>2/22/2021</a:t>
+              <a:t>2/23/2021</a:t>
             </a:fld>
             <a:endParaRPr lang="en-US" dirty="0"/>
           </a:p>
@@ -5124,7 +5124,7 @@
           <a:p>
             <a:fld id="{4AF8082C-0922-4249-A612-B415F5231620}" type="datetime1">
               <a:rPr lang="en-US" smtClean="0"/>
-              <a:t>2/22/2021</a:t>
+              <a:t>2/23/2021</a:t>
             </a:fld>
             <a:endParaRPr lang="en-US" dirty="0"/>
           </a:p>
@@ -5560,7 +5560,7 @@
           <a:p>
             <a:fld id="{4AF8082C-0922-4249-A612-B415F5231620}" type="datetime1">
               <a:rPr lang="en-US" smtClean="0"/>
-              <a:t>2/22/2021</a:t>
+              <a:t>2/23/2021</a:t>
             </a:fld>
             <a:endParaRPr lang="en-US" dirty="0"/>
           </a:p>
@@ -6108,7 +6108,7 @@
           <a:p>
             <a:fld id="{4AF8082C-0922-4249-A612-B415F5231620}" type="datetime1">
               <a:rPr lang="en-US" smtClean="0"/>
-              <a:t>2/22/2021</a:t>
+              <a:t>2/23/2021</a:t>
             </a:fld>
             <a:endParaRPr lang="en-US" dirty="0"/>
           </a:p>
@@ -6830,7 +6830,7 @@
           <a:p>
             <a:fld id="{4AF8082C-0922-4249-A612-B415F5231620}" type="datetime1">
               <a:rPr lang="en-US" smtClean="0"/>
-              <a:t>2/22/2021</a:t>
+              <a:t>2/23/2021</a:t>
             </a:fld>
             <a:endParaRPr lang="en-US" dirty="0"/>
           </a:p>
@@ -7002,7 +7002,7 @@
           <a:p>
             <a:fld id="{4AF8082C-0922-4249-A612-B415F5231620}" type="datetime1">
               <a:rPr lang="en-US" smtClean="0"/>
-              <a:t>2/22/2021</a:t>
+              <a:t>2/23/2021</a:t>
             </a:fld>
             <a:endParaRPr lang="en-US" dirty="0"/>
           </a:p>
@@ -7184,7 +7184,7 @@
           <a:p>
             <a:fld id="{4AF8082C-0922-4249-A612-B415F5231620}" type="datetime1">
               <a:rPr lang="en-US" smtClean="0"/>
-              <a:t>2/22/2021</a:t>
+              <a:t>2/23/2021</a:t>
             </a:fld>
             <a:endParaRPr lang="en-US" dirty="0"/>
           </a:p>
@@ -7356,7 +7356,7 @@
           <a:p>
             <a:fld id="{4AF8082C-0922-4249-A612-B415F5231620}" type="datetime1">
               <a:rPr lang="en-US" smtClean="0"/>
-              <a:t>2/22/2021</a:t>
+              <a:t>2/23/2021</a:t>
             </a:fld>
             <a:endParaRPr lang="en-US" dirty="0"/>
           </a:p>
@@ -7608,7 +7608,7 @@
           <a:p>
             <a:fld id="{4AF8082C-0922-4249-A612-B415F5231620}" type="datetime1">
               <a:rPr lang="en-US" smtClean="0"/>
-              <a:t>2/22/2021</a:t>
+              <a:t>2/23/2021</a:t>
             </a:fld>
             <a:endParaRPr lang="en-US" dirty="0"/>
           </a:p>
@@ -7842,7 +7842,7 @@
           <a:p>
             <a:fld id="{4AF8082C-0922-4249-A612-B415F5231620}" type="datetime1">
               <a:rPr lang="en-US" smtClean="0"/>
-              <a:t>2/22/2021</a:t>
+              <a:t>2/23/2021</a:t>
             </a:fld>
             <a:endParaRPr lang="en-US" dirty="0"/>
           </a:p>
@@ -8225,7 +8225,7 @@
           <a:p>
             <a:fld id="{4AF8082C-0922-4249-A612-B415F5231620}" type="datetime1">
               <a:rPr lang="en-US" smtClean="0"/>
-              <a:t>2/22/2021</a:t>
+              <a:t>2/23/2021</a:t>
             </a:fld>
             <a:endParaRPr lang="en-US" dirty="0"/>
           </a:p>
@@ -8345,7 +8345,7 @@
           <a:p>
             <a:fld id="{4AF8082C-0922-4249-A612-B415F5231620}" type="datetime1">
               <a:rPr lang="en-US" smtClean="0"/>
-              <a:t>2/22/2021</a:t>
+              <a:t>2/23/2021</a:t>
             </a:fld>
             <a:endParaRPr lang="en-US" dirty="0"/>
           </a:p>
@@ -8442,7 +8442,7 @@
           <a:p>
             <a:fld id="{4AF8082C-0922-4249-A612-B415F5231620}" type="datetime1">
               <a:rPr lang="en-US" smtClean="0"/>
-              <a:t>2/22/2021</a:t>
+              <a:t>2/23/2021</a:t>
             </a:fld>
             <a:endParaRPr lang="en-US" dirty="0"/>
           </a:p>
@@ -8693,7 +8693,7 @@
           <a:p>
             <a:fld id="{4AF8082C-0922-4249-A612-B415F5231620}" type="datetime1">
               <a:rPr lang="en-US" smtClean="0"/>
-              <a:t>2/22/2021</a:t>
+              <a:t>2/23/2021</a:t>
             </a:fld>
             <a:endParaRPr lang="en-US" dirty="0"/>
           </a:p>
@@ -8975,7 +8975,7 @@
           <a:p>
             <a:fld id="{4AF8082C-0922-4249-A612-B415F5231620}" type="datetime1">
               <a:rPr lang="en-US" smtClean="0"/>
-              <a:t>2/22/2021</a:t>
+              <a:t>2/23/2021</a:t>
             </a:fld>
             <a:endParaRPr lang="en-US" dirty="0"/>
           </a:p>
@@ -9093,7 +9093,7 @@
           <a:noFill/>
           <a:extLst>
             <a:ext uri="{909E8E84-426E-40dd-AFC4-6F175D3DCCD1}">
-              <a14:hiddenFill xmlns:a14="http://schemas.microsoft.com/office/drawing/2010/main" xmlns="">
+              <a14:hiddenFill xmlns="" xmlns:a14="http://schemas.microsoft.com/office/drawing/2010/main">
                 <a:solidFill>
                   <a:srgbClr val="FFFFFF"/>
                 </a:solidFill>
@@ -9167,7 +9167,7 @@
               </a:ln>
               <a:extLst>
                 <a:ext uri="{91240B29-F687-4f45-9708-019B960494DF}">
-                  <a14:hiddenLine xmlns:a14="http://schemas.microsoft.com/office/drawing/2010/main" xmlns="" w="9525">
+                  <a14:hiddenLine xmlns="" xmlns:a14="http://schemas.microsoft.com/office/drawing/2010/main" w="9525">
                     <a:solidFill>
                       <a:srgbClr val="000000"/>
                     </a:solidFill>
@@ -9257,7 +9257,7 @@
               </a:ln>
               <a:extLst>
                 <a:ext uri="{91240B29-F687-4f45-9708-019B960494DF}">
-                  <a14:hiddenLine xmlns:a14="http://schemas.microsoft.com/office/drawing/2010/main" xmlns="" w="9525">
+                  <a14:hiddenLine xmlns="" xmlns:a14="http://schemas.microsoft.com/office/drawing/2010/main" w="9525">
                     <a:solidFill>
                       <a:srgbClr val="000000"/>
                     </a:solidFill>
@@ -9347,7 +9347,7 @@
               </a:ln>
               <a:extLst>
                 <a:ext uri="{91240B29-F687-4f45-9708-019B960494DF}">
-                  <a14:hiddenLine xmlns:a14="http://schemas.microsoft.com/office/drawing/2010/main" xmlns="" w="9525">
+                  <a14:hiddenLine xmlns="" xmlns:a14="http://schemas.microsoft.com/office/drawing/2010/main" w="9525">
                     <a:solidFill>
                       <a:srgbClr val="000000"/>
                     </a:solidFill>
@@ -9409,7 +9409,7 @@
               </a:ln>
               <a:extLst>
                 <a:ext uri="{91240B29-F687-4f45-9708-019B960494DF}">
-                  <a14:hiddenLine xmlns:a14="http://schemas.microsoft.com/office/drawing/2010/main" xmlns="" w="9525">
+                  <a14:hiddenLine xmlns="" xmlns:a14="http://schemas.microsoft.com/office/drawing/2010/main" w="9525">
                     <a:solidFill>
                       <a:srgbClr val="000000"/>
                     </a:solidFill>
@@ -9499,7 +9499,7 @@
               </a:ln>
               <a:extLst>
                 <a:ext uri="{91240B29-F687-4f45-9708-019B960494DF}">
-                  <a14:hiddenLine xmlns:a14="http://schemas.microsoft.com/office/drawing/2010/main" xmlns="" w="9525">
+                  <a14:hiddenLine xmlns="" xmlns:a14="http://schemas.microsoft.com/office/drawing/2010/main" w="9525">
                     <a:solidFill>
                       <a:srgbClr val="000000"/>
                     </a:solidFill>
@@ -9561,7 +9561,7 @@
               </a:ln>
               <a:extLst>
                 <a:ext uri="{91240B29-F687-4f45-9708-019B960494DF}">
-                  <a14:hiddenLine xmlns:a14="http://schemas.microsoft.com/office/drawing/2010/main" xmlns="" w="9525">
+                  <a14:hiddenLine xmlns="" xmlns:a14="http://schemas.microsoft.com/office/drawing/2010/main" w="9525">
                     <a:solidFill>
                       <a:srgbClr val="000000"/>
                     </a:solidFill>
@@ -9623,7 +9623,7 @@
               </a:ln>
               <a:extLst>
                 <a:ext uri="{91240B29-F687-4f45-9708-019B960494DF}">
-                  <a14:hiddenLine xmlns:a14="http://schemas.microsoft.com/office/drawing/2010/main" xmlns="" w="9525">
+                  <a14:hiddenLine xmlns="" xmlns:a14="http://schemas.microsoft.com/office/drawing/2010/main" w="9525">
                     <a:solidFill>
                       <a:srgbClr val="000000"/>
                     </a:solidFill>
@@ -9713,7 +9713,7 @@
               </a:ln>
               <a:extLst>
                 <a:ext uri="{91240B29-F687-4f45-9708-019B960494DF}">
-                  <a14:hiddenLine xmlns:a14="http://schemas.microsoft.com/office/drawing/2010/main" xmlns="" w="9525">
+                  <a14:hiddenLine xmlns="" xmlns:a14="http://schemas.microsoft.com/office/drawing/2010/main" w="9525">
                     <a:solidFill>
                       <a:srgbClr val="000000"/>
                     </a:solidFill>
@@ -9803,7 +9803,7 @@
               </a:ln>
               <a:extLst>
                 <a:ext uri="{91240B29-F687-4f45-9708-019B960494DF}">
-                  <a14:hiddenLine xmlns:a14="http://schemas.microsoft.com/office/drawing/2010/main" xmlns="" w="9525">
+                  <a14:hiddenLine xmlns="" xmlns:a14="http://schemas.microsoft.com/office/drawing/2010/main" w="9525">
                     <a:solidFill>
                       <a:srgbClr val="000000"/>
                     </a:solidFill>
@@ -9865,7 +9865,7 @@
               </a:ln>
               <a:extLst>
                 <a:ext uri="{91240B29-F687-4f45-9708-019B960494DF}">
-                  <a14:hiddenLine xmlns:a14="http://schemas.microsoft.com/office/drawing/2010/main" xmlns="" w="9525">
+                  <a14:hiddenLine xmlns="" xmlns:a14="http://schemas.microsoft.com/office/drawing/2010/main" w="9525">
                     <a:solidFill>
                       <a:srgbClr val="000000"/>
                     </a:solidFill>
@@ -9975,7 +9975,7 @@
               </a:ln>
               <a:extLst>
                 <a:ext uri="{91240B29-F687-4f45-9708-019B960494DF}">
-                  <a14:hiddenLine xmlns:a14="http://schemas.microsoft.com/office/drawing/2010/main" xmlns="" w="9525">
+                  <a14:hiddenLine xmlns="" xmlns:a14="http://schemas.microsoft.com/office/drawing/2010/main" w="9525">
                     <a:solidFill>
                       <a:srgbClr val="000000"/>
                     </a:solidFill>
@@ -10059,7 +10059,7 @@
               </a:ln>
               <a:extLst>
                 <a:ext uri="{91240B29-F687-4f45-9708-019B960494DF}">
-                  <a14:hiddenLine xmlns:a14="http://schemas.microsoft.com/office/drawing/2010/main" xmlns="" w="9525">
+                  <a14:hiddenLine xmlns="" xmlns:a14="http://schemas.microsoft.com/office/drawing/2010/main" w="9525">
                     <a:solidFill>
                       <a:srgbClr val="000000"/>
                     </a:solidFill>
@@ -10121,7 +10121,7 @@
               </a:ln>
               <a:extLst>
                 <a:ext uri="{91240B29-F687-4f45-9708-019B960494DF}">
-                  <a14:hiddenLine xmlns:a14="http://schemas.microsoft.com/office/drawing/2010/main" xmlns="" w="9525">
+                  <a14:hiddenLine xmlns="" xmlns:a14="http://schemas.microsoft.com/office/drawing/2010/main" w="9525">
                     <a:solidFill>
                       <a:srgbClr val="000000"/>
                     </a:solidFill>
@@ -10183,7 +10183,7 @@
               </a:ln>
               <a:extLst>
                 <a:ext uri="{91240B29-F687-4f45-9708-019B960494DF}">
-                  <a14:hiddenLine xmlns:a14="http://schemas.microsoft.com/office/drawing/2010/main" xmlns="" w="9525">
+                  <a14:hiddenLine xmlns="" xmlns:a14="http://schemas.microsoft.com/office/drawing/2010/main" w="9525">
                     <a:solidFill>
                       <a:srgbClr val="000000"/>
                     </a:solidFill>
@@ -10273,7 +10273,7 @@
               </a:ln>
               <a:extLst>
                 <a:ext uri="{91240B29-F687-4f45-9708-019B960494DF}">
-                  <a14:hiddenLine xmlns:a14="http://schemas.microsoft.com/office/drawing/2010/main" xmlns="" w="9525">
+                  <a14:hiddenLine xmlns="" xmlns:a14="http://schemas.microsoft.com/office/drawing/2010/main" w="9525">
                     <a:solidFill>
                       <a:srgbClr val="000000"/>
                     </a:solidFill>
@@ -10307,7 +10307,7 @@
               </a:ln>
               <a:extLst>
                 <a:ext uri="{91240B29-F687-4f45-9708-019B960494DF}">
-                  <a14:hiddenLine xmlns:a14="http://schemas.microsoft.com/office/drawing/2010/main" xmlns="" w="9525">
+                  <a14:hiddenLine xmlns="" xmlns:a14="http://schemas.microsoft.com/office/drawing/2010/main" w="9525">
                     <a:solidFill>
                       <a:srgbClr val="000000"/>
                     </a:solidFill>
@@ -10372,7 +10372,7 @@
               </a:ln>
               <a:extLst>
                 <a:ext uri="{91240B29-F687-4f45-9708-019B960494DF}">
-                  <a14:hiddenLine xmlns:a14="http://schemas.microsoft.com/office/drawing/2010/main" xmlns="" w="9525">
+                  <a14:hiddenLine xmlns="" xmlns:a14="http://schemas.microsoft.com/office/drawing/2010/main" w="9525">
                     <a:solidFill>
                       <a:srgbClr val="000000"/>
                     </a:solidFill>
@@ -10462,7 +10462,7 @@
               </a:ln>
               <a:extLst>
                 <a:ext uri="{91240B29-F687-4f45-9708-019B960494DF}">
-                  <a14:hiddenLine xmlns:a14="http://schemas.microsoft.com/office/drawing/2010/main" xmlns="" w="9525">
+                  <a14:hiddenLine xmlns="" xmlns:a14="http://schemas.microsoft.com/office/drawing/2010/main" w="9525">
                     <a:solidFill>
                       <a:srgbClr val="000000"/>
                     </a:solidFill>
@@ -10524,7 +10524,7 @@
               </a:ln>
               <a:extLst>
                 <a:ext uri="{91240B29-F687-4f45-9708-019B960494DF}">
-                  <a14:hiddenLine xmlns:a14="http://schemas.microsoft.com/office/drawing/2010/main" xmlns="" w="9525">
+                  <a14:hiddenLine xmlns="" xmlns:a14="http://schemas.microsoft.com/office/drawing/2010/main" w="9525">
                     <a:solidFill>
                       <a:srgbClr val="000000"/>
                     </a:solidFill>
@@ -10614,7 +10614,7 @@
               </a:ln>
               <a:extLst>
                 <a:ext uri="{91240B29-F687-4f45-9708-019B960494DF}">
-                  <a14:hiddenLine xmlns:a14="http://schemas.microsoft.com/office/drawing/2010/main" xmlns="" w="9525">
+                  <a14:hiddenLine xmlns="" xmlns:a14="http://schemas.microsoft.com/office/drawing/2010/main" w="9525">
                     <a:solidFill>
                       <a:srgbClr val="000000"/>
                     </a:solidFill>
@@ -10679,7 +10679,7 @@
               </a:ln>
               <a:extLst>
                 <a:ext uri="{91240B29-F687-4f45-9708-019B960494DF}">
-                  <a14:hiddenLine xmlns:a14="http://schemas.microsoft.com/office/drawing/2010/main" xmlns="" w="9525">
+                  <a14:hiddenLine xmlns="" xmlns:a14="http://schemas.microsoft.com/office/drawing/2010/main" w="9525">
                     <a:solidFill>
                       <a:srgbClr val="000000"/>
                     </a:solidFill>
@@ -10741,7 +10741,7 @@
               </a:ln>
               <a:extLst>
                 <a:ext uri="{91240B29-F687-4f45-9708-019B960494DF}">
-                  <a14:hiddenLine xmlns:a14="http://schemas.microsoft.com/office/drawing/2010/main" xmlns="" w="9525">
+                  <a14:hiddenLine xmlns="" xmlns:a14="http://schemas.microsoft.com/office/drawing/2010/main" w="9525">
                     <a:solidFill>
                       <a:srgbClr val="000000"/>
                     </a:solidFill>
@@ -10831,7 +10831,7 @@
               </a:ln>
               <a:extLst>
                 <a:ext uri="{91240B29-F687-4f45-9708-019B960494DF}">
-                  <a14:hiddenLine xmlns:a14="http://schemas.microsoft.com/office/drawing/2010/main" xmlns="" w="9525">
+                  <a14:hiddenLine xmlns="" xmlns:a14="http://schemas.microsoft.com/office/drawing/2010/main" w="9525">
                     <a:solidFill>
                       <a:srgbClr val="000000"/>
                     </a:solidFill>
@@ -10921,7 +10921,7 @@
               </a:ln>
               <a:extLst>
                 <a:ext uri="{91240B29-F687-4f45-9708-019B960494DF}">
-                  <a14:hiddenLine xmlns:a14="http://schemas.microsoft.com/office/drawing/2010/main" xmlns="" w="9525">
+                  <a14:hiddenLine xmlns="" xmlns:a14="http://schemas.microsoft.com/office/drawing/2010/main" w="9525">
                     <a:solidFill>
                       <a:srgbClr val="000000"/>
                     </a:solidFill>
@@ -10986,7 +10986,7 @@
               </a:ln>
               <a:extLst>
                 <a:ext uri="{91240B29-F687-4f45-9708-019B960494DF}">
-                  <a14:hiddenLine xmlns:a14="http://schemas.microsoft.com/office/drawing/2010/main" xmlns="" w="9525">
+                  <a14:hiddenLine xmlns="" xmlns:a14="http://schemas.microsoft.com/office/drawing/2010/main" w="9525">
                     <a:solidFill>
                       <a:srgbClr val="000000"/>
                     </a:solidFill>
@@ -11106,7 +11106,7 @@
               </a:ln>
               <a:extLst>
                 <a:ext uri="{91240B29-F687-4f45-9708-019B960494DF}">
-                  <a14:hiddenLine xmlns:a14="http://schemas.microsoft.com/office/drawing/2010/main" xmlns="" w="9525">
+                  <a14:hiddenLine xmlns="" xmlns:a14="http://schemas.microsoft.com/office/drawing/2010/main" w="9525">
                     <a:solidFill>
                       <a:srgbClr val="000000"/>
                     </a:solidFill>
@@ -11204,7 +11204,7 @@
               </a:ln>
               <a:extLst>
                 <a:ext uri="{91240B29-F687-4f45-9708-019B960494DF}">
-                  <a14:hiddenLine xmlns:a14="http://schemas.microsoft.com/office/drawing/2010/main" xmlns="" w="9525">
+                  <a14:hiddenLine xmlns="" xmlns:a14="http://schemas.microsoft.com/office/drawing/2010/main" w="9525">
                     <a:solidFill>
                       <a:srgbClr val="000000"/>
                     </a:solidFill>
@@ -11319,7 +11319,7 @@
               </a:ln>
               <a:extLst>
                 <a:ext uri="{91240B29-F687-4f45-9708-019B960494DF}">
-                  <a14:hiddenLine xmlns:a14="http://schemas.microsoft.com/office/drawing/2010/main" xmlns="" w="9525">
+                  <a14:hiddenLine xmlns="" xmlns:a14="http://schemas.microsoft.com/office/drawing/2010/main" w="9525">
                     <a:solidFill>
                       <a:srgbClr val="000000"/>
                     </a:solidFill>
@@ -11409,7 +11409,7 @@
               </a:ln>
               <a:extLst>
                 <a:ext uri="{91240B29-F687-4f45-9708-019B960494DF}">
-                  <a14:hiddenLine xmlns:a14="http://schemas.microsoft.com/office/drawing/2010/main" xmlns="" w="9525">
+                  <a14:hiddenLine xmlns="" xmlns:a14="http://schemas.microsoft.com/office/drawing/2010/main" w="9525">
                     <a:solidFill>
                       <a:srgbClr val="000000"/>
                     </a:solidFill>
@@ -11474,7 +11474,7 @@
               </a:ln>
               <a:extLst>
                 <a:ext uri="{91240B29-F687-4f45-9708-019B960494DF}">
-                  <a14:hiddenLine xmlns:a14="http://schemas.microsoft.com/office/drawing/2010/main" xmlns="" w="9525">
+                  <a14:hiddenLine xmlns="" xmlns:a14="http://schemas.microsoft.com/office/drawing/2010/main" w="9525">
                     <a:solidFill>
                       <a:srgbClr val="000000"/>
                     </a:solidFill>
@@ -11564,7 +11564,7 @@
               </a:ln>
               <a:extLst>
                 <a:ext uri="{91240B29-F687-4f45-9708-019B960494DF}">
-                  <a14:hiddenLine xmlns:a14="http://schemas.microsoft.com/office/drawing/2010/main" xmlns="" w="9525">
+                  <a14:hiddenLine xmlns="" xmlns:a14="http://schemas.microsoft.com/office/drawing/2010/main" w="9525">
                     <a:solidFill>
                       <a:srgbClr val="000000"/>
                     </a:solidFill>
@@ -11632,7 +11632,7 @@
               </a:ln>
               <a:extLst>
                 <a:ext uri="{91240B29-F687-4f45-9708-019B960494DF}">
-                  <a14:hiddenLine xmlns:a14="http://schemas.microsoft.com/office/drawing/2010/main" xmlns="" w="9525">
+                  <a14:hiddenLine xmlns="" xmlns:a14="http://schemas.microsoft.com/office/drawing/2010/main" w="9525">
                     <a:solidFill>
                       <a:srgbClr val="000000"/>
                     </a:solidFill>
@@ -11722,7 +11722,7 @@
               </a:ln>
               <a:extLst>
                 <a:ext uri="{91240B29-F687-4f45-9708-019B960494DF}">
-                  <a14:hiddenLine xmlns:a14="http://schemas.microsoft.com/office/drawing/2010/main" xmlns="" w="9525">
+                  <a14:hiddenLine xmlns="" xmlns:a14="http://schemas.microsoft.com/office/drawing/2010/main" w="9525">
                     <a:solidFill>
                       <a:srgbClr val="000000"/>
                     </a:solidFill>
@@ -11790,7 +11790,7 @@
               </a:ln>
               <a:extLst>
                 <a:ext uri="{91240B29-F687-4f45-9708-019B960494DF}">
-                  <a14:hiddenLine xmlns:a14="http://schemas.microsoft.com/office/drawing/2010/main" xmlns="" w="9525">
+                  <a14:hiddenLine xmlns="" xmlns:a14="http://schemas.microsoft.com/office/drawing/2010/main" w="9525">
                     <a:solidFill>
                       <a:srgbClr val="000000"/>
                     </a:solidFill>
@@ -11880,7 +11880,7 @@
               </a:ln>
               <a:extLst>
                 <a:ext uri="{91240B29-F687-4f45-9708-019B960494DF}">
-                  <a14:hiddenLine xmlns:a14="http://schemas.microsoft.com/office/drawing/2010/main" xmlns="" w="9525">
+                  <a14:hiddenLine xmlns="" xmlns:a14="http://schemas.microsoft.com/office/drawing/2010/main" w="9525">
                     <a:solidFill>
                       <a:srgbClr val="000000"/>
                     </a:solidFill>
@@ -11914,7 +11914,7 @@
               </a:ln>
               <a:extLst>
                 <a:ext uri="{91240B29-F687-4f45-9708-019B960494DF}">
-                  <a14:hiddenLine xmlns:a14="http://schemas.microsoft.com/office/drawing/2010/main" xmlns="" w="9525">
+                  <a14:hiddenLine xmlns="" xmlns:a14="http://schemas.microsoft.com/office/drawing/2010/main" w="9525">
                     <a:solidFill>
                       <a:srgbClr val="000000"/>
                     </a:solidFill>
@@ -12054,7 +12054,7 @@
           <a:p>
             <a:fld id="{4AF8082C-0922-4249-A612-B415F5231620}" type="datetime1">
               <a:rPr lang="en-US" smtClean="0"/>
-              <a:t>2/22/2021</a:t>
+              <a:t>2/23/2021</a:t>
             </a:fld>
             <a:endParaRPr lang="en-US" dirty="0"/>
           </a:p>
@@ -12565,7 +12565,7 @@
           <a:p>
             <a:r>
               <a:rPr lang="hu-HU" sz="2800" dirty="0"/>
-              <a:t>Specifikáció</a:t>
+              <a:t>Koncepció</a:t>
             </a:r>
             <a:r>
               <a:rPr lang="hu-HU" dirty="0"/>
@@ -13471,10 +13471,9 @@
               <a:t>Prophet</a:t>
             </a:r>
             <a:r>
-              <a:rPr lang="hu-HU" sz="2400"/>
+              <a:rPr lang="hu-HU" sz="2400" dirty="0"/>
               <a:t> Python API</a:t>
             </a:r>
-            <a:endParaRPr lang="hu-HU" sz="2400" dirty="0"/>
           </a:p>
           <a:p>
             <a:pPr marL="1257300" lvl="2" indent="-342900">
